--- a/other/flow chart_2.pptx
+++ b/other/flow chart_2.pptx
@@ -66,10 +66,10 @@
         <a:latin typeface="+mj-lt"/>
         <a:ea typeface="+mj-ea"/>
         <a:cs typeface="+mj-cs"/>
-        <a:sym typeface="Calibri"/>
+        <a:sym typeface="Helvetica"/>
       </a:defRPr>
     </a:lvl1pPr>
-    <a:lvl2pPr marL="0" marR="0" indent="457200" algn="l" defTabSz="914400" rtl="0" fontAlgn="auto" latinLnBrk="0" hangingPunct="0">
+    <a:lvl2pPr marL="0" marR="0" indent="0" algn="l" defTabSz="914400" rtl="0" fontAlgn="auto" latinLnBrk="0" hangingPunct="0">
       <a:lnSpc>
         <a:spcPct val="100000"/>
       </a:lnSpc>
@@ -96,10 +96,10 @@
         <a:latin typeface="+mj-lt"/>
         <a:ea typeface="+mj-ea"/>
         <a:cs typeface="+mj-cs"/>
-        <a:sym typeface="Calibri"/>
+        <a:sym typeface="Helvetica"/>
       </a:defRPr>
     </a:lvl2pPr>
-    <a:lvl3pPr marL="0" marR="0" indent="914400" algn="l" defTabSz="914400" rtl="0" fontAlgn="auto" latinLnBrk="0" hangingPunct="0">
+    <a:lvl3pPr marL="0" marR="0" indent="0" algn="l" defTabSz="914400" rtl="0" fontAlgn="auto" latinLnBrk="0" hangingPunct="0">
       <a:lnSpc>
         <a:spcPct val="100000"/>
       </a:lnSpc>
@@ -126,10 +126,10 @@
         <a:latin typeface="+mj-lt"/>
         <a:ea typeface="+mj-ea"/>
         <a:cs typeface="+mj-cs"/>
-        <a:sym typeface="Calibri"/>
+        <a:sym typeface="Helvetica"/>
       </a:defRPr>
     </a:lvl3pPr>
-    <a:lvl4pPr marL="0" marR="0" indent="1371600" algn="l" defTabSz="914400" rtl="0" fontAlgn="auto" latinLnBrk="0" hangingPunct="0">
+    <a:lvl4pPr marL="0" marR="0" indent="0" algn="l" defTabSz="914400" rtl="0" fontAlgn="auto" latinLnBrk="0" hangingPunct="0">
       <a:lnSpc>
         <a:spcPct val="100000"/>
       </a:lnSpc>
@@ -156,10 +156,10 @@
         <a:latin typeface="+mj-lt"/>
         <a:ea typeface="+mj-ea"/>
         <a:cs typeface="+mj-cs"/>
-        <a:sym typeface="Calibri"/>
+        <a:sym typeface="Helvetica"/>
       </a:defRPr>
     </a:lvl4pPr>
-    <a:lvl5pPr marL="0" marR="0" indent="1828800" algn="l" defTabSz="914400" rtl="0" fontAlgn="auto" latinLnBrk="0" hangingPunct="0">
+    <a:lvl5pPr marL="0" marR="0" indent="0" algn="l" defTabSz="914400" rtl="0" fontAlgn="auto" latinLnBrk="0" hangingPunct="0">
       <a:lnSpc>
         <a:spcPct val="100000"/>
       </a:lnSpc>
@@ -186,10 +186,10 @@
         <a:latin typeface="+mj-lt"/>
         <a:ea typeface="+mj-ea"/>
         <a:cs typeface="+mj-cs"/>
-        <a:sym typeface="Calibri"/>
+        <a:sym typeface="Helvetica"/>
       </a:defRPr>
     </a:lvl5pPr>
-    <a:lvl6pPr marL="0" marR="0" indent="2286000" algn="l" defTabSz="914400" rtl="0" fontAlgn="auto" latinLnBrk="0" hangingPunct="0">
+    <a:lvl6pPr marL="0" marR="0" indent="0" algn="l" defTabSz="914400" rtl="0" fontAlgn="auto" latinLnBrk="0" hangingPunct="0">
       <a:lnSpc>
         <a:spcPct val="100000"/>
       </a:lnSpc>
@@ -216,10 +216,10 @@
         <a:latin typeface="+mj-lt"/>
         <a:ea typeface="+mj-ea"/>
         <a:cs typeface="+mj-cs"/>
-        <a:sym typeface="Calibri"/>
+        <a:sym typeface="Helvetica"/>
       </a:defRPr>
     </a:lvl6pPr>
-    <a:lvl7pPr marL="0" marR="0" indent="2743200" algn="l" defTabSz="914400" rtl="0" fontAlgn="auto" latinLnBrk="0" hangingPunct="0">
+    <a:lvl7pPr marL="0" marR="0" indent="0" algn="l" defTabSz="914400" rtl="0" fontAlgn="auto" latinLnBrk="0" hangingPunct="0">
       <a:lnSpc>
         <a:spcPct val="100000"/>
       </a:lnSpc>
@@ -246,10 +246,10 @@
         <a:latin typeface="+mj-lt"/>
         <a:ea typeface="+mj-ea"/>
         <a:cs typeface="+mj-cs"/>
-        <a:sym typeface="Calibri"/>
+        <a:sym typeface="Helvetica"/>
       </a:defRPr>
     </a:lvl7pPr>
-    <a:lvl8pPr marL="0" marR="0" indent="3200400" algn="l" defTabSz="914400" rtl="0" fontAlgn="auto" latinLnBrk="0" hangingPunct="0">
+    <a:lvl8pPr marL="0" marR="0" indent="0" algn="l" defTabSz="914400" rtl="0" fontAlgn="auto" latinLnBrk="0" hangingPunct="0">
       <a:lnSpc>
         <a:spcPct val="100000"/>
       </a:lnSpc>
@@ -276,10 +276,10 @@
         <a:latin typeface="+mj-lt"/>
         <a:ea typeface="+mj-ea"/>
         <a:cs typeface="+mj-cs"/>
-        <a:sym typeface="Calibri"/>
+        <a:sym typeface="Helvetica"/>
       </a:defRPr>
     </a:lvl8pPr>
-    <a:lvl9pPr marL="0" marR="0" indent="3657600" algn="l" defTabSz="914400" rtl="0" fontAlgn="auto" latinLnBrk="0" hangingPunct="0">
+    <a:lvl9pPr marL="0" marR="0" indent="0" algn="l" defTabSz="914400" rtl="0" fontAlgn="auto" latinLnBrk="0" hangingPunct="0">
       <a:lnSpc>
         <a:spcPct val="100000"/>
       </a:lnSpc>
@@ -306,7 +306,7 @@
         <a:latin typeface="+mj-lt"/>
         <a:ea typeface="+mj-ea"/>
         <a:cs typeface="+mj-cs"/>
-        <a:sym typeface="Calibri"/>
+        <a:sym typeface="Helvetica"/>
       </a:defRPr>
     </a:lvl9pPr>
   </p:defaultTextStyle>
@@ -390,73 +390,73 @@
   <p:notesStyle>
     <a:lvl1pPr latinLnBrk="0">
       <a:defRPr sz="1200">
-        <a:latin typeface="+mj-lt"/>
-        <a:ea typeface="+mj-ea"/>
-        <a:cs typeface="+mj-cs"/>
+        <a:latin typeface="+mn-lt"/>
+        <a:ea typeface="+mn-ea"/>
+        <a:cs typeface="+mn-cs"/>
         <a:sym typeface="Calibri"/>
       </a:defRPr>
     </a:lvl1pPr>
     <a:lvl2pPr indent="228600" latinLnBrk="0">
       <a:defRPr sz="1200">
-        <a:latin typeface="+mj-lt"/>
-        <a:ea typeface="+mj-ea"/>
-        <a:cs typeface="+mj-cs"/>
+        <a:latin typeface="+mn-lt"/>
+        <a:ea typeface="+mn-ea"/>
+        <a:cs typeface="+mn-cs"/>
         <a:sym typeface="Calibri"/>
       </a:defRPr>
     </a:lvl2pPr>
     <a:lvl3pPr indent="457200" latinLnBrk="0">
       <a:defRPr sz="1200">
-        <a:latin typeface="+mj-lt"/>
-        <a:ea typeface="+mj-ea"/>
-        <a:cs typeface="+mj-cs"/>
+        <a:latin typeface="+mn-lt"/>
+        <a:ea typeface="+mn-ea"/>
+        <a:cs typeface="+mn-cs"/>
         <a:sym typeface="Calibri"/>
       </a:defRPr>
     </a:lvl3pPr>
     <a:lvl4pPr indent="685800" latinLnBrk="0">
       <a:defRPr sz="1200">
-        <a:latin typeface="+mj-lt"/>
-        <a:ea typeface="+mj-ea"/>
-        <a:cs typeface="+mj-cs"/>
+        <a:latin typeface="+mn-lt"/>
+        <a:ea typeface="+mn-ea"/>
+        <a:cs typeface="+mn-cs"/>
         <a:sym typeface="Calibri"/>
       </a:defRPr>
     </a:lvl4pPr>
     <a:lvl5pPr indent="914400" latinLnBrk="0">
       <a:defRPr sz="1200">
-        <a:latin typeface="+mj-lt"/>
-        <a:ea typeface="+mj-ea"/>
-        <a:cs typeface="+mj-cs"/>
+        <a:latin typeface="+mn-lt"/>
+        <a:ea typeface="+mn-ea"/>
+        <a:cs typeface="+mn-cs"/>
         <a:sym typeface="Calibri"/>
       </a:defRPr>
     </a:lvl5pPr>
     <a:lvl6pPr indent="1143000" latinLnBrk="0">
       <a:defRPr sz="1200">
-        <a:latin typeface="+mj-lt"/>
-        <a:ea typeface="+mj-ea"/>
-        <a:cs typeface="+mj-cs"/>
+        <a:latin typeface="+mn-lt"/>
+        <a:ea typeface="+mn-ea"/>
+        <a:cs typeface="+mn-cs"/>
         <a:sym typeface="Calibri"/>
       </a:defRPr>
     </a:lvl6pPr>
     <a:lvl7pPr indent="1371600" latinLnBrk="0">
       <a:defRPr sz="1200">
-        <a:latin typeface="+mj-lt"/>
-        <a:ea typeface="+mj-ea"/>
-        <a:cs typeface="+mj-cs"/>
+        <a:latin typeface="+mn-lt"/>
+        <a:ea typeface="+mn-ea"/>
+        <a:cs typeface="+mn-cs"/>
         <a:sym typeface="Calibri"/>
       </a:defRPr>
     </a:lvl7pPr>
     <a:lvl8pPr indent="1600200" latinLnBrk="0">
       <a:defRPr sz="1200">
-        <a:latin typeface="+mj-lt"/>
-        <a:ea typeface="+mj-ea"/>
-        <a:cs typeface="+mj-cs"/>
+        <a:latin typeface="+mn-lt"/>
+        <a:ea typeface="+mn-ea"/>
+        <a:cs typeface="+mn-cs"/>
         <a:sym typeface="Calibri"/>
       </a:defRPr>
     </a:lvl8pPr>
     <a:lvl9pPr indent="1828800" latinLnBrk="0">
       <a:defRPr sz="1200">
-        <a:latin typeface="+mj-lt"/>
-        <a:ea typeface="+mj-ea"/>
-        <a:cs typeface="+mj-cs"/>
+        <a:latin typeface="+mn-lt"/>
+        <a:ea typeface="+mn-ea"/>
+        <a:cs typeface="+mn-cs"/>
         <a:sym typeface="Calibri"/>
       </a:defRPr>
     </a:lvl9pPr>
@@ -524,7 +524,7 @@
         <p:spPr>
           <a:xfrm>
             <a:off x="1524000" y="3602037"/>
-            <a:ext cx="9144000" cy="1655763"/>
+            <a:ext cx="9144000" cy="1655764"/>
           </a:xfrm>
           <a:prstGeom prst="rect">
             <a:avLst/>
@@ -539,25 +539,25 @@
               <a:buNone/>
               <a:defRPr sz="2400"/>
             </a:lvl1pPr>
-            <a:lvl2pPr marL="0" indent="457200" algn="ctr">
+            <a:lvl2pPr marL="0" indent="0" algn="ctr">
               <a:buSzTx/>
               <a:buFontTx/>
               <a:buNone/>
               <a:defRPr sz="2400"/>
             </a:lvl2pPr>
-            <a:lvl3pPr marL="0" indent="914400" algn="ctr">
+            <a:lvl3pPr marL="0" indent="0" algn="ctr">
               <a:buSzTx/>
               <a:buFontTx/>
               <a:buNone/>
               <a:defRPr sz="2400"/>
             </a:lvl3pPr>
-            <a:lvl4pPr marL="0" indent="1371600" algn="ctr">
+            <a:lvl4pPr marL="0" indent="0" algn="ctr">
               <a:buSzTx/>
               <a:buFontTx/>
               <a:buNone/>
               <a:defRPr sz="2400"/>
             </a:lvl4pPr>
-            <a:lvl5pPr marL="0" indent="1828800" algn="ctr">
+            <a:lvl5pPr marL="0" indent="0" algn="ctr">
               <a:buSzTx/>
               <a:buFontTx/>
               <a:buNone/>
@@ -1055,7 +1055,7 @@
         <p:spPr>
           <a:xfrm>
             <a:off x="831850" y="4589462"/>
-            <a:ext cx="10515600" cy="1500188"/>
+            <a:ext cx="10515600" cy="1500189"/>
           </a:xfrm>
           <a:prstGeom prst="rect">
             <a:avLst/>
@@ -1074,7 +1074,7 @@
                 </a:solidFill>
               </a:defRPr>
             </a:lvl1pPr>
-            <a:lvl2pPr marL="0" indent="457200">
+            <a:lvl2pPr marL="0" indent="0">
               <a:buSzTx/>
               <a:buFontTx/>
               <a:buNone/>
@@ -1084,7 +1084,7 @@
                 </a:solidFill>
               </a:defRPr>
             </a:lvl2pPr>
-            <a:lvl3pPr marL="0" indent="914400">
+            <a:lvl3pPr marL="0" indent="0">
               <a:buSzTx/>
               <a:buFontTx/>
               <a:buNone/>
@@ -1094,7 +1094,7 @@
                 </a:solidFill>
               </a:defRPr>
             </a:lvl3pPr>
-            <a:lvl4pPr marL="0" indent="1371600">
+            <a:lvl4pPr marL="0" indent="0">
               <a:buSzTx/>
               <a:buFontTx/>
               <a:buNone/>
@@ -1104,7 +1104,7 @@
                 </a:solidFill>
               </a:defRPr>
             </a:lvl4pPr>
-            <a:lvl5pPr marL="0" indent="1828800">
+            <a:lvl5pPr marL="0" indent="0">
               <a:buSzTx/>
               <a:buFontTx/>
               <a:buNone/>
@@ -1358,7 +1358,7 @@
         <p:spPr>
           <a:xfrm>
             <a:off x="839787" y="1681163"/>
-            <a:ext cx="5157789" cy="823913"/>
+            <a:ext cx="5157790" cy="823914"/>
           </a:xfrm>
           <a:prstGeom prst="rect">
             <a:avLst/>
@@ -1373,25 +1373,25 @@
               <a:buNone/>
               <a:defRPr b="1" sz="2400"/>
             </a:lvl1pPr>
-            <a:lvl2pPr marL="0" indent="457200">
+            <a:lvl2pPr marL="0" indent="0">
               <a:buSzTx/>
               <a:buFontTx/>
               <a:buNone/>
               <a:defRPr b="1" sz="2400"/>
             </a:lvl2pPr>
-            <a:lvl3pPr marL="0" indent="914400">
+            <a:lvl3pPr marL="0" indent="0">
               <a:buSzTx/>
               <a:buFontTx/>
               <a:buNone/>
               <a:defRPr b="1" sz="2400"/>
             </a:lvl3pPr>
-            <a:lvl4pPr marL="0" indent="1371600">
+            <a:lvl4pPr marL="0" indent="0">
               <a:buSzTx/>
               <a:buFontTx/>
               <a:buNone/>
               <a:defRPr b="1" sz="2400"/>
             </a:lvl4pPr>
-            <a:lvl5pPr marL="0" indent="1828800">
+            <a:lvl5pPr marL="0" indent="0">
               <a:buSzTx/>
               <a:buFontTx/>
               <a:buNone/>
@@ -1441,7 +1441,7 @@
         <p:spPr>
           <a:xfrm>
             <a:off x="6172200" y="1681163"/>
-            <a:ext cx="5183188" cy="823913"/>
+            <a:ext cx="5183188" cy="823914"/>
           </a:xfrm>
           <a:prstGeom prst="rect">
             <a:avLst/>
@@ -1451,12 +1451,7 @@
           <a:bodyPr anchor="b"/>
           <a:lstStyle/>
           <a:p>
-            <a:pPr marL="0" indent="0">
-              <a:buSzTx/>
-              <a:buFontTx/>
-              <a:buNone/>
-              <a:defRPr b="1" sz="2400"/>
-            </a:pPr>
+            <a:pPr/>
           </a:p>
         </p:txBody>
       </p:sp>
@@ -1639,7 +1634,7 @@
         <p:spPr>
           <a:xfrm>
             <a:off x="839787" y="457200"/>
-            <a:ext cx="3932239" cy="1600200"/>
+            <a:ext cx="3932240" cy="1600200"/>
           </a:xfrm>
           <a:prstGeom prst="rect">
             <a:avLst/>
@@ -1671,7 +1666,7 @@
         <p:spPr>
           <a:xfrm>
             <a:off x="5183187" y="987425"/>
-            <a:ext cx="6172201" cy="4873625"/>
+            <a:ext cx="6172202" cy="4873625"/>
           </a:xfrm>
           <a:prstGeom prst="rect">
             <a:avLst/>
@@ -1738,8 +1733,8 @@
         </p:nvSpPr>
         <p:spPr>
           <a:xfrm>
-            <a:off x="839787" y="2057400"/>
-            <a:ext cx="3932239" cy="3811588"/>
+            <a:off x="839786" y="2057400"/>
+            <a:ext cx="3932241" cy="3811588"/>
           </a:xfrm>
           <a:prstGeom prst="rect">
             <a:avLst/>
@@ -1749,12 +1744,7 @@
           <a:bodyPr/>
           <a:lstStyle/>
           <a:p>
-            <a:pPr marL="0" indent="0">
-              <a:buSzTx/>
-              <a:buFontTx/>
-              <a:buNone/>
-              <a:defRPr sz="1600"/>
-            </a:pPr>
+            <a:pPr/>
           </a:p>
         </p:txBody>
       </p:sp>
@@ -1817,7 +1807,7 @@
         <p:spPr>
           <a:xfrm>
             <a:off x="839787" y="457200"/>
-            <a:ext cx="3932239" cy="1600200"/>
+            <a:ext cx="3932240" cy="1600200"/>
           </a:xfrm>
           <a:prstGeom prst="rect">
             <a:avLst/>
@@ -1849,14 +1839,14 @@
         <p:spPr>
           <a:xfrm>
             <a:off x="5183187" y="987425"/>
-            <a:ext cx="6172201" cy="4873625"/>
+            <a:ext cx="6172202" cy="4873625"/>
           </a:xfrm>
           <a:prstGeom prst="rect">
             <a:avLst/>
           </a:prstGeom>
         </p:spPr>
         <p:txBody>
-          <a:bodyPr lIns="91439" rIns="91439">
+          <a:bodyPr lIns="91439" tIns="45719" rIns="91439" bIns="45719">
             <a:noAutofit/>
           </a:bodyPr>
           <a:lstStyle/>
@@ -1876,7 +1866,7 @@
         <p:spPr>
           <a:xfrm>
             <a:off x="839787" y="2057400"/>
-            <a:ext cx="3932239" cy="3811588"/>
+            <a:ext cx="3932240" cy="3811588"/>
           </a:xfrm>
           <a:prstGeom prst="rect">
             <a:avLst/>
@@ -1891,25 +1881,25 @@
               <a:buNone/>
               <a:defRPr sz="1600"/>
             </a:lvl1pPr>
-            <a:lvl2pPr marL="0" indent="457200">
+            <a:lvl2pPr marL="0" indent="0">
               <a:buSzTx/>
               <a:buFontTx/>
               <a:buNone/>
               <a:defRPr sz="1600"/>
             </a:lvl2pPr>
-            <a:lvl3pPr marL="0" indent="914400">
+            <a:lvl3pPr marL="0" indent="0">
               <a:buSzTx/>
               <a:buFontTx/>
               <a:buNone/>
               <a:defRPr sz="1600"/>
             </a:lvl3pPr>
-            <a:lvl4pPr marL="0" indent="1371600">
+            <a:lvl4pPr marL="0" indent="0">
               <a:buSzTx/>
               <a:buFontTx/>
               <a:buNone/>
               <a:defRPr sz="1600"/>
             </a:lvl4pPr>
-            <a:lvl5pPr marL="0" indent="1828800">
+            <a:lvl5pPr marL="0" indent="0">
               <a:buSzTx/>
               <a:buFontTx/>
               <a:buNone/>
@@ -2029,7 +2019,7 @@
           </a:extLst>
         </p:spPr>
         <p:txBody>
-          <a:bodyPr lIns="45719" rIns="45719" anchor="ctr">
+          <a:bodyPr lIns="45718" tIns="45718" rIns="45718" bIns="45718" anchor="ctr">
             <a:normAutofit fontScale="100000" lnSpcReduction="0"/>
           </a:bodyPr>
           <a:lstStyle/>
@@ -2067,7 +2057,7 @@
           </a:extLst>
         </p:spPr>
         <p:txBody>
-          <a:bodyPr lIns="45719" rIns="45719">
+          <a:bodyPr lIns="45718" tIns="45718" rIns="45718" bIns="45718">
             <a:normAutofit fontScale="100000" lnSpcReduction="0"/>
           </a:bodyPr>
           <a:lstStyle/>
@@ -2113,8 +2103,8 @@
         </p:nvSpPr>
         <p:spPr>
           <a:xfrm>
-            <a:off x="11089818" y="6404292"/>
-            <a:ext cx="263983" cy="269241"/>
+            <a:off x="11089821" y="6404293"/>
+            <a:ext cx="263980" cy="269239"/>
           </a:xfrm>
           <a:prstGeom prst="rect">
             <a:avLst/>
@@ -2124,7 +2114,7 @@
           </a:ln>
         </p:spPr>
         <p:txBody>
-          <a:bodyPr wrap="none" lIns="45719" rIns="45719" anchor="ctr">
+          <a:bodyPr wrap="none" lIns="45718" tIns="45718" rIns="45718" bIns="45718" anchor="ctr">
             <a:spAutoFit/>
           </a:bodyPr>
           <a:lstStyle>
@@ -2133,6 +2123,10 @@
                 <a:solidFill>
                   <a:srgbClr val="888888"/>
                 </a:solidFill>
+                <a:latin typeface="+mn-lt"/>
+                <a:ea typeface="+mn-ea"/>
+                <a:cs typeface="+mn-cs"/>
+                <a:sym typeface="Calibri"/>
               </a:defRPr>
             </a:lvl1pPr>
           </a:lstStyle>
@@ -2447,9 +2441,9 @@
             <a:srgbClr val="000000"/>
           </a:solidFill>
           <a:uFillTx/>
-          <a:latin typeface="+mj-lt"/>
-          <a:ea typeface="+mj-ea"/>
-          <a:cs typeface="+mj-cs"/>
+          <a:latin typeface="+mn-lt"/>
+          <a:ea typeface="+mn-ea"/>
+          <a:cs typeface="+mn-cs"/>
           <a:sym typeface="Calibri"/>
         </a:defRPr>
       </a:lvl1pPr>
@@ -2476,13 +2470,13 @@
             <a:srgbClr val="000000"/>
           </a:solidFill>
           <a:uFillTx/>
-          <a:latin typeface="+mj-lt"/>
-          <a:ea typeface="+mj-ea"/>
-          <a:cs typeface="+mj-cs"/>
+          <a:latin typeface="+mn-lt"/>
+          <a:ea typeface="+mn-ea"/>
+          <a:cs typeface="+mn-cs"/>
           <a:sym typeface="Calibri"/>
         </a:defRPr>
       </a:lvl2pPr>
-      <a:lvl3pPr marL="1234439" marR="0" indent="-320039" algn="l" defTabSz="914400" rtl="0" latinLnBrk="0">
+      <a:lvl3pPr marL="1234438" marR="0" indent="-320038" algn="l" defTabSz="914400" rtl="0" latinLnBrk="0">
         <a:lnSpc>
           <a:spcPct val="90000"/>
         </a:lnSpc>
@@ -2505,9 +2499,9 @@
             <a:srgbClr val="000000"/>
           </a:solidFill>
           <a:uFillTx/>
-          <a:latin typeface="+mj-lt"/>
-          <a:ea typeface="+mj-ea"/>
-          <a:cs typeface="+mj-cs"/>
+          <a:latin typeface="+mn-lt"/>
+          <a:ea typeface="+mn-ea"/>
+          <a:cs typeface="+mn-cs"/>
           <a:sym typeface="Calibri"/>
         </a:defRPr>
       </a:lvl3pPr>
@@ -2534,9 +2528,9 @@
             <a:srgbClr val="000000"/>
           </a:solidFill>
           <a:uFillTx/>
-          <a:latin typeface="+mj-lt"/>
-          <a:ea typeface="+mj-ea"/>
-          <a:cs typeface="+mj-cs"/>
+          <a:latin typeface="+mn-lt"/>
+          <a:ea typeface="+mn-ea"/>
+          <a:cs typeface="+mn-cs"/>
           <a:sym typeface="Calibri"/>
         </a:defRPr>
       </a:lvl4pPr>
@@ -2563,9 +2557,9 @@
             <a:srgbClr val="000000"/>
           </a:solidFill>
           <a:uFillTx/>
-          <a:latin typeface="+mj-lt"/>
-          <a:ea typeface="+mj-ea"/>
-          <a:cs typeface="+mj-cs"/>
+          <a:latin typeface="+mn-lt"/>
+          <a:ea typeface="+mn-ea"/>
+          <a:cs typeface="+mn-cs"/>
           <a:sym typeface="Calibri"/>
         </a:defRPr>
       </a:lvl5pPr>
@@ -2592,9 +2586,9 @@
             <a:srgbClr val="000000"/>
           </a:solidFill>
           <a:uFillTx/>
-          <a:latin typeface="+mj-lt"/>
-          <a:ea typeface="+mj-ea"/>
-          <a:cs typeface="+mj-cs"/>
+          <a:latin typeface="+mn-lt"/>
+          <a:ea typeface="+mn-ea"/>
+          <a:cs typeface="+mn-cs"/>
           <a:sym typeface="Calibri"/>
         </a:defRPr>
       </a:lvl6pPr>
@@ -2621,9 +2615,9 @@
             <a:srgbClr val="000000"/>
           </a:solidFill>
           <a:uFillTx/>
-          <a:latin typeface="+mj-lt"/>
-          <a:ea typeface="+mj-ea"/>
-          <a:cs typeface="+mj-cs"/>
+          <a:latin typeface="+mn-lt"/>
+          <a:ea typeface="+mn-ea"/>
+          <a:cs typeface="+mn-cs"/>
           <a:sym typeface="Calibri"/>
         </a:defRPr>
       </a:lvl7pPr>
@@ -2650,9 +2644,9 @@
             <a:srgbClr val="000000"/>
           </a:solidFill>
           <a:uFillTx/>
-          <a:latin typeface="+mj-lt"/>
-          <a:ea typeface="+mj-ea"/>
-          <a:cs typeface="+mj-cs"/>
+          <a:latin typeface="+mn-lt"/>
+          <a:ea typeface="+mn-ea"/>
+          <a:cs typeface="+mn-cs"/>
           <a:sym typeface="Calibri"/>
         </a:defRPr>
       </a:lvl8pPr>
@@ -2679,9 +2673,9 @@
             <a:srgbClr val="000000"/>
           </a:solidFill>
           <a:uFillTx/>
-          <a:latin typeface="+mj-lt"/>
-          <a:ea typeface="+mj-ea"/>
-          <a:cs typeface="+mj-cs"/>
+          <a:latin typeface="+mn-lt"/>
+          <a:ea typeface="+mn-ea"/>
+          <a:cs typeface="+mn-cs"/>
           <a:sym typeface="Calibri"/>
         </a:defRPr>
       </a:lvl9pPr>
@@ -2716,7 +2710,7 @@
           <a:sym typeface="Calibri"/>
         </a:defRPr>
       </a:lvl1pPr>
-      <a:lvl2pPr marL="0" marR="0" indent="457200" algn="r" defTabSz="914400" rtl="0" latinLnBrk="0">
+      <a:lvl2pPr marL="0" marR="0" indent="0" algn="r" defTabSz="914400" rtl="0" latinLnBrk="0">
         <a:lnSpc>
           <a:spcPct val="100000"/>
         </a:lnSpc>
@@ -2745,7 +2739,7 @@
           <a:sym typeface="Calibri"/>
         </a:defRPr>
       </a:lvl2pPr>
-      <a:lvl3pPr marL="0" marR="0" indent="914400" algn="r" defTabSz="914400" rtl="0" latinLnBrk="0">
+      <a:lvl3pPr marL="0" marR="0" indent="0" algn="r" defTabSz="914400" rtl="0" latinLnBrk="0">
         <a:lnSpc>
           <a:spcPct val="100000"/>
         </a:lnSpc>
@@ -2774,7 +2768,7 @@
           <a:sym typeface="Calibri"/>
         </a:defRPr>
       </a:lvl3pPr>
-      <a:lvl4pPr marL="0" marR="0" indent="1371600" algn="r" defTabSz="914400" rtl="0" latinLnBrk="0">
+      <a:lvl4pPr marL="0" marR="0" indent="0" algn="r" defTabSz="914400" rtl="0" latinLnBrk="0">
         <a:lnSpc>
           <a:spcPct val="100000"/>
         </a:lnSpc>
@@ -2803,7 +2797,7 @@
           <a:sym typeface="Calibri"/>
         </a:defRPr>
       </a:lvl4pPr>
-      <a:lvl5pPr marL="0" marR="0" indent="1828800" algn="r" defTabSz="914400" rtl="0" latinLnBrk="0">
+      <a:lvl5pPr marL="0" marR="0" indent="0" algn="r" defTabSz="914400" rtl="0" latinLnBrk="0">
         <a:lnSpc>
           <a:spcPct val="100000"/>
         </a:lnSpc>
@@ -2832,7 +2826,7 @@
           <a:sym typeface="Calibri"/>
         </a:defRPr>
       </a:lvl5pPr>
-      <a:lvl6pPr marL="0" marR="0" indent="2286000" algn="r" defTabSz="914400" rtl="0" latinLnBrk="0">
+      <a:lvl6pPr marL="0" marR="0" indent="0" algn="r" defTabSz="914400" rtl="0" latinLnBrk="0">
         <a:lnSpc>
           <a:spcPct val="100000"/>
         </a:lnSpc>
@@ -2861,7 +2855,7 @@
           <a:sym typeface="Calibri"/>
         </a:defRPr>
       </a:lvl6pPr>
-      <a:lvl7pPr marL="0" marR="0" indent="2743200" algn="r" defTabSz="914400" rtl="0" latinLnBrk="0">
+      <a:lvl7pPr marL="0" marR="0" indent="0" algn="r" defTabSz="914400" rtl="0" latinLnBrk="0">
         <a:lnSpc>
           <a:spcPct val="100000"/>
         </a:lnSpc>
@@ -2890,7 +2884,7 @@
           <a:sym typeface="Calibri"/>
         </a:defRPr>
       </a:lvl7pPr>
-      <a:lvl8pPr marL="0" marR="0" indent="3200400" algn="r" defTabSz="914400" rtl="0" latinLnBrk="0">
+      <a:lvl8pPr marL="0" marR="0" indent="0" algn="r" defTabSz="914400" rtl="0" latinLnBrk="0">
         <a:lnSpc>
           <a:spcPct val="100000"/>
         </a:lnSpc>
@@ -2919,7 +2913,7 @@
           <a:sym typeface="Calibri"/>
         </a:defRPr>
       </a:lvl8pPr>
-      <a:lvl9pPr marL="0" marR="0" indent="3657600" algn="r" defTabSz="914400" rtl="0" latinLnBrk="0">
+      <a:lvl9pPr marL="0" marR="0" indent="0" algn="r" defTabSz="914400" rtl="0" latinLnBrk="0">
         <a:lnSpc>
           <a:spcPct val="100000"/>
         </a:lnSpc>
@@ -2978,10 +2972,10 @@
         </p:nvGrpSpPr>
         <p:grpSpPr>
           <a:xfrm>
-            <a:off x="1901803" y="3540426"/>
-            <a:ext cx="457946" cy="369333"/>
-            <a:chOff x="0" y="0"/>
-            <a:chExt cx="457945" cy="369332"/>
+            <a:off x="2016101" y="3587292"/>
+            <a:ext cx="457948" cy="369336"/>
+            <a:chOff x="0" y="-1"/>
+            <a:chExt cx="457946" cy="369335"/>
           </a:xfrm>
         </p:grpSpPr>
         <p:sp>
@@ -2992,8 +2986,8 @@
           </p:nvSpPr>
           <p:spPr>
             <a:xfrm>
-              <a:off x="-1" y="-1"/>
-              <a:ext cx="457947" cy="369334"/>
+              <a:off x="-1" y="-2"/>
+              <a:ext cx="457948" cy="369337"/>
             </a:xfrm>
             <a:prstGeom prst="rect">
               <a:avLst/>
@@ -3012,12 +3006,19 @@
             <a:effectLst/>
           </p:spPr>
           <p:txBody>
-            <a:bodyPr wrap="square" lIns="45719" tIns="45719" rIns="45719" bIns="45719" numCol="1" anchor="t">
+            <a:bodyPr wrap="square" lIns="45718" tIns="45718" rIns="45718" bIns="45718" numCol="1" anchor="t">
               <a:noAutofit/>
             </a:bodyPr>
             <a:lstStyle/>
             <a:p>
-              <a:pPr/>
+              <a:pPr>
+                <a:defRPr>
+                  <a:latin typeface="+mn-lt"/>
+                  <a:ea typeface="+mn-ea"/>
+                  <a:cs typeface="+mn-cs"/>
+                  <a:sym typeface="Calibri"/>
+                </a:defRPr>
+              </a:pPr>
             </a:p>
           </p:txBody>
         </p:sp>
@@ -3029,8 +3030,8 @@
           </p:nvSpPr>
           <p:spPr>
             <a:xfrm>
-              <a:off x="-1" y="-1"/>
-              <a:ext cx="457947" cy="358141"/>
+              <a:off x="-1" y="-2"/>
+              <a:ext cx="457948" cy="358139"/>
             </a:xfrm>
             <a:prstGeom prst="rect">
               <a:avLst/>
@@ -3048,10 +3049,19 @@
             </a:extLst>
           </p:spPr>
           <p:txBody>
-            <a:bodyPr wrap="square" lIns="45719" tIns="45719" rIns="45719" bIns="45719" numCol="1" anchor="t">
+            <a:bodyPr wrap="square" lIns="45718" tIns="45718" rIns="45718" bIns="45718" numCol="1" anchor="t">
               <a:spAutoFit/>
             </a:bodyPr>
-            <a:lstStyle/>
+            <a:lstStyle>
+              <a:lvl1pPr>
+                <a:defRPr>
+                  <a:latin typeface="+mn-lt"/>
+                  <a:ea typeface="+mn-ea"/>
+                  <a:cs typeface="+mn-cs"/>
+                  <a:sym typeface="Calibri"/>
+                </a:defRPr>
+              </a:lvl1pPr>
+            </a:lstStyle>
             <a:p>
               <a:pPr/>
               <a:r>
@@ -3069,10 +3079,10 @@
         </p:nvGrpSpPr>
         <p:grpSpPr>
           <a:xfrm>
-            <a:off x="4134196" y="5164975"/>
-            <a:ext cx="3912525" cy="451719"/>
-            <a:chOff x="0" y="0"/>
-            <a:chExt cx="3912523" cy="451718"/>
+            <a:off x="4134196" y="5164974"/>
+            <a:ext cx="3912526" cy="451722"/>
+            <a:chOff x="0" y="-1"/>
+            <a:chExt cx="3912525" cy="451721"/>
           </a:xfrm>
         </p:grpSpPr>
         <p:sp>
@@ -3083,8 +3093,8 @@
           </p:nvSpPr>
           <p:spPr>
             <a:xfrm>
-              <a:off x="0" y="-1"/>
-              <a:ext cx="3912524" cy="451720"/>
+              <a:off x="-1" y="-2"/>
+              <a:ext cx="3912527" cy="451722"/>
             </a:xfrm>
             <a:prstGeom prst="rect">
               <a:avLst/>
@@ -3106,12 +3116,19 @@
             <a:effectLst/>
           </p:spPr>
           <p:txBody>
-            <a:bodyPr wrap="square" lIns="45719" tIns="45719" rIns="45719" bIns="45719" numCol="1" anchor="t">
+            <a:bodyPr wrap="square" lIns="45718" tIns="45718" rIns="45718" bIns="45718" numCol="1" anchor="t">
               <a:noAutofit/>
             </a:bodyPr>
             <a:lstStyle/>
             <a:p>
-              <a:pPr/>
+              <a:pPr>
+                <a:defRPr>
+                  <a:latin typeface="+mn-lt"/>
+                  <a:ea typeface="+mn-ea"/>
+                  <a:cs typeface="+mn-cs"/>
+                  <a:sym typeface="Calibri"/>
+                </a:defRPr>
+              </a:pPr>
             </a:p>
           </p:txBody>
         </p:sp>
@@ -3123,8 +3140,8 @@
           </p:nvSpPr>
           <p:spPr>
             <a:xfrm>
-              <a:off x="0" y="-1"/>
-              <a:ext cx="3912524" cy="358141"/>
+              <a:off x="-1" y="-2"/>
+              <a:ext cx="3912527" cy="358139"/>
             </a:xfrm>
             <a:prstGeom prst="rect">
               <a:avLst/>
@@ -3142,10 +3159,19 @@
             </a:extLst>
           </p:spPr>
           <p:txBody>
-            <a:bodyPr wrap="square" lIns="45719" tIns="45719" rIns="45719" bIns="45719" numCol="1" anchor="t">
+            <a:bodyPr wrap="square" lIns="45718" tIns="45718" rIns="45718" bIns="45718" numCol="1" anchor="t">
               <a:spAutoFit/>
             </a:bodyPr>
-            <a:lstStyle/>
+            <a:lstStyle>
+              <a:lvl1pPr>
+                <a:defRPr>
+                  <a:latin typeface="+mn-lt"/>
+                  <a:ea typeface="+mn-ea"/>
+                  <a:cs typeface="+mn-cs"/>
+                  <a:sym typeface="Calibri"/>
+                </a:defRPr>
+              </a:lvl1pPr>
+            </a:lstStyle>
             <a:p>
               <a:pPr/>
               <a:r>
@@ -3163,8 +3189,8 @@
         </p:nvSpPr>
         <p:spPr>
           <a:xfrm rot="5400000">
-            <a:off x="7979969" y="4082716"/>
-            <a:ext cx="1374871" cy="1241368"/>
+            <a:off x="7907900" y="4075499"/>
+            <a:ext cx="1454157" cy="1176517"/>
           </a:xfrm>
           <a:custGeom>
             <a:avLst/>
@@ -3208,10 +3234,17 @@
           </a:ln>
         </p:spPr>
         <p:txBody>
-          <a:bodyPr lIns="45719" rIns="45719" anchor="ctr"/>
+          <a:bodyPr lIns="45718" tIns="45718" rIns="45718" bIns="45718" anchor="ctr"/>
           <a:lstStyle/>
           <a:p>
-            <a:pPr/>
+            <a:pPr>
+              <a:defRPr>
+                <a:latin typeface="+mn-lt"/>
+                <a:ea typeface="+mn-ea"/>
+                <a:cs typeface="+mn-cs"/>
+                <a:sym typeface="Calibri"/>
+              </a:defRPr>
+            </a:pPr>
           </a:p>
         </p:txBody>
       </p:sp>
@@ -3223,10 +3256,10 @@
         </p:nvGrpSpPr>
         <p:grpSpPr>
           <a:xfrm>
-            <a:off x="8933712" y="3662586"/>
-            <a:ext cx="552075" cy="369333"/>
-            <a:chOff x="0" y="0"/>
-            <a:chExt cx="552074" cy="369332"/>
+            <a:off x="8933709" y="3587292"/>
+            <a:ext cx="552078" cy="369336"/>
+            <a:chOff x="0" y="-1"/>
+            <a:chExt cx="552077" cy="369335"/>
           </a:xfrm>
         </p:grpSpPr>
         <p:sp>
@@ -3237,8 +3270,8 @@
           </p:nvSpPr>
           <p:spPr>
             <a:xfrm>
-              <a:off x="-1" y="-1"/>
-              <a:ext cx="552076" cy="369334"/>
+              <a:off x="-1" y="-2"/>
+              <a:ext cx="552078" cy="369337"/>
             </a:xfrm>
             <a:prstGeom prst="rect">
               <a:avLst/>
@@ -3257,12 +3290,19 @@
             <a:effectLst/>
           </p:spPr>
           <p:txBody>
-            <a:bodyPr wrap="square" lIns="45719" tIns="45719" rIns="45719" bIns="45719" numCol="1" anchor="t">
+            <a:bodyPr wrap="square" lIns="45718" tIns="45718" rIns="45718" bIns="45718" numCol="1" anchor="t">
               <a:noAutofit/>
             </a:bodyPr>
             <a:lstStyle/>
             <a:p>
-              <a:pPr/>
+              <a:pPr>
+                <a:defRPr>
+                  <a:latin typeface="+mn-lt"/>
+                  <a:ea typeface="+mn-ea"/>
+                  <a:cs typeface="+mn-cs"/>
+                  <a:sym typeface="Calibri"/>
+                </a:defRPr>
+              </a:pPr>
             </a:p>
           </p:txBody>
         </p:sp>
@@ -3274,8 +3314,8 @@
           </p:nvSpPr>
           <p:spPr>
             <a:xfrm>
-              <a:off x="-1" y="-1"/>
-              <a:ext cx="552076" cy="358141"/>
+              <a:off x="-1" y="-2"/>
+              <a:ext cx="552078" cy="358139"/>
             </a:xfrm>
             <a:prstGeom prst="rect">
               <a:avLst/>
@@ -3293,10 +3333,19 @@
             </a:extLst>
           </p:spPr>
           <p:txBody>
-            <a:bodyPr wrap="square" lIns="45719" tIns="45719" rIns="45719" bIns="45719" numCol="1" anchor="t">
+            <a:bodyPr wrap="square" lIns="45718" tIns="45718" rIns="45718" bIns="45718" numCol="1" anchor="t">
               <a:spAutoFit/>
             </a:bodyPr>
-            <a:lstStyle/>
+            <a:lstStyle>
+              <a:lvl1pPr>
+                <a:defRPr>
+                  <a:latin typeface="+mn-lt"/>
+                  <a:ea typeface="+mn-ea"/>
+                  <a:cs typeface="+mn-cs"/>
+                  <a:sym typeface="Calibri"/>
+                </a:defRPr>
+              </a:lvl1pPr>
+            </a:lstStyle>
             <a:p>
               <a:pPr/>
               <a:r>
@@ -3308,14 +3357,14 @@
       </p:grpSp>
       <p:sp>
         <p:nvSpPr>
-          <p:cNvPr id="164" name="Connector: Elbow 90"/>
+          <p:cNvPr id="122" name="Connector: Elbow 90"/>
           <p:cNvSpPr/>
           <p:nvPr/>
         </p:nvSpPr>
         <p:spPr>
           <a:xfrm>
-            <a:off x="2272029" y="3958590"/>
-            <a:ext cx="1856741" cy="1431290"/>
+            <a:off x="2272028" y="3958590"/>
+            <a:ext cx="1856742" cy="1431291"/>
           </a:xfrm>
           <a:custGeom>
             <a:avLst/>
@@ -3359,10 +3408,17 @@
           </a:ln>
         </p:spPr>
         <p:txBody>
-          <a:bodyPr/>
+          <a:bodyPr lIns="45718" tIns="45718" rIns="45718" bIns="45718"/>
           <a:lstStyle/>
           <a:p>
-            <a:pPr/>
+            <a:pPr>
+              <a:defRPr>
+                <a:latin typeface="+mn-lt"/>
+                <a:ea typeface="+mn-ea"/>
+                <a:cs typeface="+mn-cs"/>
+                <a:sym typeface="Calibri"/>
+              </a:defRPr>
+            </a:pPr>
           </a:p>
         </p:txBody>
       </p:sp>
@@ -3375,9 +3431,9 @@
         <p:grpSpPr>
           <a:xfrm>
             <a:off x="2264899" y="4970362"/>
-            <a:ext cx="1858843" cy="646332"/>
+            <a:ext cx="1858843" cy="646333"/>
             <a:chOff x="0" y="0"/>
-            <a:chExt cx="1858841" cy="646331"/>
+            <a:chExt cx="1858842" cy="646332"/>
           </a:xfrm>
         </p:grpSpPr>
         <p:sp>
@@ -3388,8 +3444,8 @@
           </p:nvSpPr>
           <p:spPr>
             <a:xfrm>
-              <a:off x="0" y="0"/>
-              <a:ext cx="1858842" cy="646331"/>
+              <a:off x="0" y="-1"/>
+              <a:ext cx="1858843" cy="646334"/>
             </a:xfrm>
             <a:prstGeom prst="rect">
               <a:avLst/>
@@ -3408,12 +3464,19 @@
             <a:effectLst/>
           </p:spPr>
           <p:txBody>
-            <a:bodyPr wrap="square" lIns="45719" tIns="45719" rIns="45719" bIns="45719" numCol="1" anchor="t">
+            <a:bodyPr wrap="square" lIns="45718" tIns="45718" rIns="45718" bIns="45718" numCol="1" anchor="t">
               <a:noAutofit/>
             </a:bodyPr>
             <a:lstStyle/>
             <a:p>
-              <a:pPr/>
+              <a:pPr>
+                <a:defRPr>
+                  <a:latin typeface="+mn-lt"/>
+                  <a:ea typeface="+mn-ea"/>
+                  <a:cs typeface="+mn-cs"/>
+                  <a:sym typeface="Calibri"/>
+                </a:defRPr>
+              </a:pPr>
             </a:p>
           </p:txBody>
         </p:sp>
@@ -3425,8 +3488,8 @@
           </p:nvSpPr>
           <p:spPr>
             <a:xfrm>
-              <a:off x="0" y="0"/>
-              <a:ext cx="1858842" cy="358141"/>
+              <a:off x="0" y="-1"/>
+              <a:ext cx="1858843" cy="358139"/>
             </a:xfrm>
             <a:prstGeom prst="rect">
               <a:avLst/>
@@ -3444,10 +3507,19 @@
             </a:extLst>
           </p:spPr>
           <p:txBody>
-            <a:bodyPr wrap="square" lIns="45719" tIns="45719" rIns="45719" bIns="45719" numCol="1" anchor="t">
+            <a:bodyPr wrap="square" lIns="45718" tIns="45718" rIns="45718" bIns="45718" numCol="1" anchor="t">
               <a:spAutoFit/>
             </a:bodyPr>
-            <a:lstStyle/>
+            <a:lstStyle>
+              <a:lvl1pPr>
+                <a:defRPr>
+                  <a:latin typeface="+mn-lt"/>
+                  <a:ea typeface="+mn-ea"/>
+                  <a:cs typeface="+mn-cs"/>
+                  <a:sym typeface="Calibri"/>
+                </a:defRPr>
+              </a:lvl1pPr>
+            </a:lstStyle>
             <a:p>
               <a:pPr/>
               <a:r>
@@ -3465,8 +3537,8 @@
         </p:nvSpPr>
         <p:spPr>
           <a:xfrm>
-            <a:off x="1684712" y="2115979"/>
-            <a:ext cx="8473442" cy="2683236"/>
+            <a:off x="1684712" y="2744705"/>
+            <a:ext cx="8473442" cy="2054510"/>
           </a:xfrm>
           <a:prstGeom prst="rect">
             <a:avLst/>
@@ -3479,7 +3551,7 @@
           </a:ln>
         </p:spPr>
         <p:txBody>
-          <a:bodyPr lIns="45719" rIns="45719" anchor="ctr"/>
+          <a:bodyPr lIns="45718" tIns="45718" rIns="45718" bIns="45718" anchor="ctr"/>
           <a:lstStyle/>
           <a:p>
             <a:pPr algn="ctr">
@@ -3489,6 +3561,10 @@
                     <a:srgbClr val="000000"/>
                   </a:solidFill>
                 </a:ln>
+                <a:latin typeface="+mn-lt"/>
+                <a:ea typeface="+mn-ea"/>
+                <a:cs typeface="+mn-cs"/>
+                <a:sym typeface="Calibri"/>
               </a:defRPr>
             </a:pPr>
           </a:p>
@@ -3502,8 +3578,8 @@
         </p:nvSpPr>
         <p:spPr>
           <a:xfrm>
-            <a:off x="1816219" y="2194119"/>
-            <a:ext cx="1085555" cy="447041"/>
+            <a:off x="1828919" y="2854505"/>
+            <a:ext cx="1085555" cy="447039"/>
           </a:xfrm>
           <a:prstGeom prst="rect">
             <a:avLst/>
@@ -3518,7 +3594,7 @@
           </a:extLst>
         </p:spPr>
         <p:txBody>
-          <a:bodyPr lIns="45719" rIns="45719">
+          <a:bodyPr lIns="45718" tIns="45718" rIns="45718" bIns="45718">
             <a:spAutoFit/>
           </a:bodyPr>
           <a:lstStyle>
@@ -3527,6 +3603,10 @@
                 <a:solidFill>
                   <a:schemeClr val="accent2"/>
                 </a:solidFill>
+                <a:latin typeface="+mn-lt"/>
+                <a:ea typeface="+mn-ea"/>
+                <a:cs typeface="+mn-cs"/>
+                <a:sym typeface="Calibri"/>
               </a:defRPr>
             </a:lvl1pPr>
           </a:lstStyle>
@@ -3546,10 +3626,10 @@
         </p:nvGrpSpPr>
         <p:grpSpPr>
           <a:xfrm>
-            <a:off x="2471651" y="6170336"/>
-            <a:ext cx="1014154" cy="647132"/>
+            <a:off x="2471650" y="6170336"/>
+            <a:ext cx="1014156" cy="647134"/>
             <a:chOff x="0" y="0"/>
-            <a:chExt cx="1014153" cy="647130"/>
+            <a:chExt cx="1014155" cy="647133"/>
           </a:xfrm>
         </p:grpSpPr>
         <p:sp>
@@ -3561,7 +3641,7 @@
           <p:spPr>
             <a:xfrm>
               <a:off x="-1" y="0"/>
-              <a:ext cx="1014155" cy="647131"/>
+              <a:ext cx="1014156" cy="647134"/>
             </a:xfrm>
             <a:prstGeom prst="rect">
               <a:avLst/>
@@ -3579,12 +3659,19 @@
             <a:effectLst/>
           </p:spPr>
           <p:txBody>
-            <a:bodyPr wrap="square" lIns="45719" tIns="45719" rIns="45719" bIns="45719" numCol="1" anchor="ctr">
+            <a:bodyPr wrap="square" lIns="45718" tIns="45718" rIns="45718" bIns="45718" numCol="1" anchor="ctr">
               <a:noAutofit/>
             </a:bodyPr>
             <a:lstStyle/>
             <a:p>
-              <a:pPr algn="ctr"/>
+              <a:pPr algn="ctr">
+                <a:defRPr>
+                  <a:latin typeface="+mn-lt"/>
+                  <a:ea typeface="+mn-ea"/>
+                  <a:cs typeface="+mn-cs"/>
+                  <a:sym typeface="Calibri"/>
+                </a:defRPr>
+              </a:pPr>
             </a:p>
           </p:txBody>
         </p:sp>
@@ -3597,7 +3684,7 @@
           <p:spPr>
             <a:xfrm>
               <a:off x="-1" y="144495"/>
-              <a:ext cx="1014155" cy="358141"/>
+              <a:ext cx="1014156" cy="358139"/>
             </a:xfrm>
             <a:prstGeom prst="rect">
               <a:avLst/>
@@ -3615,11 +3702,18 @@
             </a:extLst>
           </p:spPr>
           <p:txBody>
-            <a:bodyPr wrap="square" lIns="45719" tIns="45719" rIns="45719" bIns="45719" numCol="1" anchor="ctr">
+            <a:bodyPr wrap="square" lIns="45718" tIns="45718" rIns="45718" bIns="45718" numCol="1" anchor="ctr">
               <a:spAutoFit/>
             </a:bodyPr>
             <a:lstStyle>
-              <a:lvl1pPr algn="ctr"/>
+              <a:lvl1pPr algn="ctr">
+                <a:defRPr>
+                  <a:latin typeface="+mn-lt"/>
+                  <a:ea typeface="+mn-ea"/>
+                  <a:cs typeface="+mn-cs"/>
+                  <a:sym typeface="Calibri"/>
+                </a:defRPr>
+              </a:lvl1pPr>
             </a:lstStyle>
             <a:p>
               <a:pPr/>
@@ -3638,10 +3732,10 @@
         </p:nvGrpSpPr>
         <p:grpSpPr>
           <a:xfrm>
-            <a:off x="4153510" y="6170336"/>
-            <a:ext cx="1014154" cy="647131"/>
+            <a:off x="4153509" y="6170336"/>
+            <a:ext cx="1014156" cy="647132"/>
             <a:chOff x="0" y="0"/>
-            <a:chExt cx="1014153" cy="647129"/>
+            <a:chExt cx="1014155" cy="647130"/>
           </a:xfrm>
         </p:grpSpPr>
         <p:sp>
@@ -3653,7 +3747,7 @@
           <p:spPr>
             <a:xfrm>
               <a:off x="-1" y="0"/>
-              <a:ext cx="1014155" cy="647130"/>
+              <a:ext cx="1014156" cy="647132"/>
             </a:xfrm>
             <a:prstGeom prst="rect">
               <a:avLst/>
@@ -3671,12 +3765,19 @@
             <a:effectLst/>
           </p:spPr>
           <p:txBody>
-            <a:bodyPr wrap="square" lIns="45719" tIns="45719" rIns="45719" bIns="45719" numCol="1" anchor="ctr">
+            <a:bodyPr wrap="square" lIns="45718" tIns="45718" rIns="45718" bIns="45718" numCol="1" anchor="ctr">
               <a:noAutofit/>
             </a:bodyPr>
             <a:lstStyle/>
             <a:p>
-              <a:pPr algn="ctr"/>
+              <a:pPr algn="ctr">
+                <a:defRPr>
+                  <a:latin typeface="+mn-lt"/>
+                  <a:ea typeface="+mn-ea"/>
+                  <a:cs typeface="+mn-cs"/>
+                  <a:sym typeface="Calibri"/>
+                </a:defRPr>
+              </a:pPr>
             </a:p>
           </p:txBody>
         </p:sp>
@@ -3689,7 +3790,7 @@
           <p:spPr>
             <a:xfrm>
               <a:off x="-1" y="144494"/>
-              <a:ext cx="1014155" cy="358141"/>
+              <a:ext cx="1014156" cy="358139"/>
             </a:xfrm>
             <a:prstGeom prst="rect">
               <a:avLst/>
@@ -3707,11 +3808,18 @@
             </a:extLst>
           </p:spPr>
           <p:txBody>
-            <a:bodyPr wrap="square" lIns="45719" tIns="45719" rIns="45719" bIns="45719" numCol="1" anchor="ctr">
+            <a:bodyPr wrap="square" lIns="45718" tIns="45718" rIns="45718" bIns="45718" numCol="1" anchor="ctr">
               <a:spAutoFit/>
             </a:bodyPr>
             <a:lstStyle>
-              <a:lvl1pPr algn="ctr"/>
+              <a:lvl1pPr algn="ctr">
+                <a:defRPr>
+                  <a:latin typeface="+mn-lt"/>
+                  <a:ea typeface="+mn-ea"/>
+                  <a:cs typeface="+mn-cs"/>
+                  <a:sym typeface="Calibri"/>
+                </a:defRPr>
+              </a:lvl1pPr>
             </a:lstStyle>
             <a:p>
               <a:pPr/>
@@ -3730,10 +3838,10 @@
         </p:nvGrpSpPr>
         <p:grpSpPr>
           <a:xfrm>
-            <a:off x="7059607" y="6170336"/>
-            <a:ext cx="1014154" cy="647130"/>
+            <a:off x="7059606" y="6170335"/>
+            <a:ext cx="1014156" cy="647132"/>
             <a:chOff x="0" y="0"/>
-            <a:chExt cx="1014153" cy="647129"/>
+            <a:chExt cx="1014155" cy="647130"/>
           </a:xfrm>
         </p:grpSpPr>
         <p:sp>
@@ -3745,7 +3853,7 @@
           <p:spPr>
             <a:xfrm>
               <a:off x="-1" y="-1"/>
-              <a:ext cx="1014155" cy="647131"/>
+              <a:ext cx="1014156" cy="647132"/>
             </a:xfrm>
             <a:prstGeom prst="rect">
               <a:avLst/>
@@ -3763,12 +3871,19 @@
             <a:effectLst/>
           </p:spPr>
           <p:txBody>
-            <a:bodyPr wrap="square" lIns="45719" tIns="45719" rIns="45719" bIns="45719" numCol="1" anchor="ctr">
+            <a:bodyPr wrap="square" lIns="45718" tIns="45718" rIns="45718" bIns="45718" numCol="1" anchor="ctr">
               <a:noAutofit/>
             </a:bodyPr>
             <a:lstStyle/>
             <a:p>
-              <a:pPr algn="ctr"/>
+              <a:pPr algn="ctr">
+                <a:defRPr>
+                  <a:latin typeface="+mn-lt"/>
+                  <a:ea typeface="+mn-ea"/>
+                  <a:cs typeface="+mn-cs"/>
+                  <a:sym typeface="Calibri"/>
+                </a:defRPr>
+              </a:pPr>
             </a:p>
           </p:txBody>
         </p:sp>
@@ -3781,7 +3896,7 @@
           <p:spPr>
             <a:xfrm>
               <a:off x="-1" y="144494"/>
-              <a:ext cx="1014155" cy="358141"/>
+              <a:ext cx="1014156" cy="358139"/>
             </a:xfrm>
             <a:prstGeom prst="rect">
               <a:avLst/>
@@ -3799,11 +3914,18 @@
             </a:extLst>
           </p:spPr>
           <p:txBody>
-            <a:bodyPr wrap="square" lIns="45719" tIns="45719" rIns="45719" bIns="45719" numCol="1" anchor="ctr">
+            <a:bodyPr wrap="square" lIns="45718" tIns="45718" rIns="45718" bIns="45718" numCol="1" anchor="ctr">
               <a:spAutoFit/>
             </a:bodyPr>
             <a:lstStyle>
-              <a:lvl1pPr algn="ctr"/>
+              <a:lvl1pPr algn="ctr">
+                <a:defRPr>
+                  <a:latin typeface="+mn-lt"/>
+                  <a:ea typeface="+mn-ea"/>
+                  <a:cs typeface="+mn-cs"/>
+                  <a:sym typeface="Calibri"/>
+                </a:defRPr>
+              </a:lvl1pPr>
             </a:lstStyle>
             <a:p>
               <a:pPr/>
@@ -3822,10 +3944,10 @@
         </p:nvGrpSpPr>
         <p:grpSpPr>
           <a:xfrm>
-            <a:off x="8702672" y="6170336"/>
-            <a:ext cx="1014154" cy="647129"/>
+            <a:off x="8702670" y="6170336"/>
+            <a:ext cx="1014156" cy="647131"/>
             <a:chOff x="0" y="0"/>
-            <a:chExt cx="1014153" cy="647127"/>
+            <a:chExt cx="1014155" cy="647129"/>
           </a:xfrm>
         </p:grpSpPr>
         <p:sp>
@@ -3837,7 +3959,7 @@
           <p:spPr>
             <a:xfrm>
               <a:off x="-1" y="0"/>
-              <a:ext cx="1014155" cy="647128"/>
+              <a:ext cx="1014156" cy="647130"/>
             </a:xfrm>
             <a:prstGeom prst="rect">
               <a:avLst/>
@@ -3855,12 +3977,19 @@
             <a:effectLst/>
           </p:spPr>
           <p:txBody>
-            <a:bodyPr wrap="square" lIns="45719" tIns="45719" rIns="45719" bIns="45719" numCol="1" anchor="ctr">
+            <a:bodyPr wrap="square" lIns="45718" tIns="45718" rIns="45718" bIns="45718" numCol="1" anchor="ctr">
               <a:noAutofit/>
             </a:bodyPr>
             <a:lstStyle/>
             <a:p>
-              <a:pPr algn="ctr"/>
+              <a:pPr algn="ctr">
+                <a:defRPr>
+                  <a:latin typeface="+mn-lt"/>
+                  <a:ea typeface="+mn-ea"/>
+                  <a:cs typeface="+mn-cs"/>
+                  <a:sym typeface="Calibri"/>
+                </a:defRPr>
+              </a:pPr>
             </a:p>
           </p:txBody>
         </p:sp>
@@ -3873,7 +4002,7 @@
           <p:spPr>
             <a:xfrm>
               <a:off x="-1" y="144494"/>
-              <a:ext cx="1014155" cy="358141"/>
+              <a:ext cx="1014156" cy="358139"/>
             </a:xfrm>
             <a:prstGeom prst="rect">
               <a:avLst/>
@@ -3891,11 +4020,18 @@
             </a:extLst>
           </p:spPr>
           <p:txBody>
-            <a:bodyPr wrap="square" lIns="45719" tIns="45719" rIns="45719" bIns="45719" numCol="1" anchor="ctr">
+            <a:bodyPr wrap="square" lIns="45718" tIns="45718" rIns="45718" bIns="45718" numCol="1" anchor="ctr">
               <a:spAutoFit/>
             </a:bodyPr>
             <a:lstStyle>
-              <a:lvl1pPr algn="ctr"/>
+              <a:lvl1pPr algn="ctr">
+                <a:defRPr>
+                  <a:latin typeface="+mn-lt"/>
+                  <a:ea typeface="+mn-ea"/>
+                  <a:cs typeface="+mn-cs"/>
+                  <a:sym typeface="Calibri"/>
+                </a:defRPr>
+              </a:lvl1pPr>
             </a:lstStyle>
             <a:p>
               <a:pPr/>
@@ -3915,7 +4051,7 @@
         <p:spPr>
           <a:xfrm>
             <a:off x="5821676" y="6245628"/>
-            <a:ext cx="662248" cy="447041"/>
+            <a:ext cx="662249" cy="447039"/>
           </a:xfrm>
           <a:prstGeom prst="rect">
             <a:avLst/>
@@ -3930,12 +4066,17 @@
           </a:extLst>
         </p:spPr>
         <p:txBody>
-          <a:bodyPr lIns="45719" rIns="45719">
+          <a:bodyPr lIns="45718" tIns="45718" rIns="45718" bIns="45718">
             <a:spAutoFit/>
           </a:bodyPr>
           <a:lstStyle>
             <a:lvl1pPr>
-              <a:defRPr sz="2400"/>
+              <a:defRPr sz="2400">
+                <a:latin typeface="+mn-lt"/>
+                <a:ea typeface="+mn-ea"/>
+                <a:cs typeface="+mn-cs"/>
+                <a:sym typeface="Calibri"/>
+              </a:defRPr>
             </a:lvl1pPr>
           </a:lstStyle>
           <a:p>
@@ -3954,8 +4095,8 @@
         </p:nvSpPr>
         <p:spPr>
           <a:xfrm rot="3738393">
-            <a:off x="3435753" y="5145090"/>
-            <a:ext cx="190675" cy="1262182"/>
+            <a:off x="3435753" y="5145089"/>
+            <a:ext cx="190676" cy="1262183"/>
           </a:xfrm>
           <a:custGeom>
             <a:avLst/>
@@ -4023,7 +4164,7 @@
           </a:ln>
         </p:spPr>
         <p:txBody>
-          <a:bodyPr lIns="45719" rIns="45719" anchor="ctr"/>
+          <a:bodyPr lIns="45718" tIns="45718" rIns="45718" bIns="45718" anchor="ctr"/>
           <a:lstStyle/>
           <a:p>
             <a:pPr algn="ctr">
@@ -4031,6 +4172,10 @@
                 <a:solidFill>
                   <a:srgbClr val="FFFFFF"/>
                 </a:solidFill>
+                <a:latin typeface="+mn-lt"/>
+                <a:ea typeface="+mn-ea"/>
+                <a:cs typeface="+mn-cs"/>
+                <a:sym typeface="Calibri"/>
               </a:defRPr>
             </a:pPr>
           </a:p>
@@ -4045,7 +4190,7 @@
         <p:spPr>
           <a:xfrm rot="6867900">
             <a:off x="8572065" y="5188351"/>
-            <a:ext cx="190675" cy="1262181"/>
+            <a:ext cx="190676" cy="1262182"/>
           </a:xfrm>
           <a:custGeom>
             <a:avLst/>
@@ -4113,7 +4258,7 @@
           </a:ln>
         </p:spPr>
         <p:txBody>
-          <a:bodyPr lIns="45719" rIns="45719" anchor="ctr"/>
+          <a:bodyPr lIns="45718" tIns="45718" rIns="45718" bIns="45718" anchor="ctr"/>
           <a:lstStyle/>
           <a:p>
             <a:pPr algn="ctr">
@@ -4121,6 +4266,10 @@
                 <a:solidFill>
                   <a:srgbClr val="FFFFFF"/>
                 </a:solidFill>
+                <a:latin typeface="+mn-lt"/>
+                <a:ea typeface="+mn-ea"/>
+                <a:cs typeface="+mn-cs"/>
+                <a:sym typeface="Calibri"/>
               </a:defRPr>
             </a:pPr>
           </a:p>
@@ -4135,7 +4284,7 @@
         <p:spPr>
           <a:xfrm rot="2452795">
             <a:off x="4657276" y="5584554"/>
-            <a:ext cx="201460" cy="636048"/>
+            <a:ext cx="201461" cy="636049"/>
           </a:xfrm>
           <a:custGeom>
             <a:avLst/>
@@ -4203,7 +4352,7 @@
           </a:ln>
         </p:spPr>
         <p:txBody>
-          <a:bodyPr lIns="45719" rIns="45719" anchor="ctr"/>
+          <a:bodyPr lIns="45718" tIns="45718" rIns="45718" bIns="45718" anchor="ctr"/>
           <a:lstStyle/>
           <a:p>
             <a:pPr algn="ctr">
@@ -4211,6 +4360,10 @@
                 <a:solidFill>
                   <a:srgbClr val="FFFFFF"/>
                 </a:solidFill>
+                <a:latin typeface="+mn-lt"/>
+                <a:ea typeface="+mn-ea"/>
+                <a:cs typeface="+mn-cs"/>
+                <a:sym typeface="Calibri"/>
               </a:defRPr>
             </a:pPr>
           </a:p>
@@ -4224,8 +4377,8 @@
         </p:nvSpPr>
         <p:spPr>
           <a:xfrm rot="7920874">
-            <a:off x="7271319" y="5562336"/>
-            <a:ext cx="201460" cy="636048"/>
+            <a:off x="7271318" y="5562336"/>
+            <a:ext cx="201461" cy="636049"/>
           </a:xfrm>
           <a:custGeom>
             <a:avLst/>
@@ -4293,7 +4446,7 @@
           </a:ln>
         </p:spPr>
         <p:txBody>
-          <a:bodyPr lIns="45719" rIns="45719" anchor="ctr"/>
+          <a:bodyPr lIns="45718" tIns="45718" rIns="45718" bIns="45718" anchor="ctr"/>
           <a:lstStyle/>
           <a:p>
             <a:pPr algn="ctr">
@@ -4301,6 +4454,10 @@
                 <a:solidFill>
                   <a:srgbClr val="FFFFFF"/>
                 </a:solidFill>
+                <a:latin typeface="+mn-lt"/>
+                <a:ea typeface="+mn-ea"/>
+                <a:cs typeface="+mn-cs"/>
+                <a:sym typeface="Calibri"/>
               </a:defRPr>
             </a:pPr>
           </a:p>
@@ -4315,9 +4472,9 @@
         <p:grpSpPr>
           <a:xfrm>
             <a:off x="5470538" y="5636517"/>
-            <a:ext cx="1182864" cy="354689"/>
+            <a:ext cx="1182867" cy="354703"/>
             <a:chOff x="0" y="0"/>
-            <a:chExt cx="1182862" cy="354688"/>
+            <a:chExt cx="1182866" cy="354702"/>
           </a:xfrm>
         </p:grpSpPr>
         <p:sp>
@@ -4328,8 +4485,8 @@
           </p:nvSpPr>
           <p:spPr>
             <a:xfrm>
-              <a:off x="0" y="0"/>
-              <a:ext cx="1182864" cy="354689"/>
+              <a:off x="0" y="-1"/>
+              <a:ext cx="1182867" cy="354704"/>
             </a:xfrm>
             <a:custGeom>
               <a:avLst/>
@@ -4351,7 +4508,7 @@
               </a:cxnLst>
               <a:rect l="0" t="0" r="r" b="b"/>
               <a:pathLst>
-                <a:path w="21600" h="20829" fill="norm" stroke="1" extrusionOk="0">
+                <a:path w="21600" h="20830" fill="norm" stroke="1" extrusionOk="0">
                   <a:moveTo>
                     <a:pt x="20290" y="0"/>
                   </a:moveTo>
@@ -4366,9 +4523,6 @@
                     <a:pt x="15279" y="21600"/>
                     <a:pt x="10550" y="20757"/>
                   </a:cubicBezTo>
-                  <a:lnTo>
-                    <a:pt x="10550" y="20757"/>
-                  </a:lnTo>
                   <a:cubicBezTo>
                     <a:pt x="14677" y="20020"/>
                     <a:pt x="18136" y="13783"/>
@@ -4408,12 +4562,19 @@
             <a:effectLst/>
           </p:spPr>
           <p:txBody>
-            <a:bodyPr wrap="square" lIns="45719" tIns="45719" rIns="45719" bIns="45719" numCol="1" anchor="ctr">
+            <a:bodyPr wrap="square" lIns="45718" tIns="45718" rIns="45718" bIns="45718" numCol="1" anchor="ctr">
               <a:noAutofit/>
             </a:bodyPr>
             <a:lstStyle/>
             <a:p>
-              <a:pPr algn="ctr"/>
+              <a:pPr algn="ctr">
+                <a:defRPr>
+                  <a:latin typeface="+mn-lt"/>
+                  <a:ea typeface="+mn-ea"/>
+                  <a:cs typeface="+mn-cs"/>
+                  <a:sym typeface="Calibri"/>
+                </a:defRPr>
+              </a:pPr>
             </a:p>
           </p:txBody>
         </p:sp>
@@ -4425,8 +4586,8 @@
           </p:nvSpPr>
           <p:spPr>
             <a:xfrm>
-              <a:off x="0" y="0"/>
-              <a:ext cx="622069" cy="354677"/>
+              <a:off x="-1" y="-1"/>
+              <a:ext cx="622072" cy="354680"/>
             </a:xfrm>
             <a:custGeom>
               <a:avLst/>
@@ -4481,12 +4642,19 @@
             <a:effectLst/>
           </p:spPr>
           <p:txBody>
-            <a:bodyPr wrap="square" lIns="45719" tIns="45719" rIns="45719" bIns="45719" numCol="1" anchor="ctr">
+            <a:bodyPr wrap="square" lIns="45718" tIns="45718" rIns="45718" bIns="45718" numCol="1" anchor="ctr">
               <a:noAutofit/>
             </a:bodyPr>
             <a:lstStyle/>
             <a:p>
-              <a:pPr algn="ctr"/>
+              <a:pPr algn="ctr">
+                <a:defRPr>
+                  <a:latin typeface="+mn-lt"/>
+                  <a:ea typeface="+mn-ea"/>
+                  <a:cs typeface="+mn-cs"/>
+                  <a:sym typeface="Calibri"/>
+                </a:defRPr>
+              </a:pPr>
             </a:p>
           </p:txBody>
         </p:sp>
@@ -4498,8 +4666,8 @@
           </p:nvSpPr>
           <p:spPr>
             <a:xfrm>
-              <a:off x="0" y="0"/>
-              <a:ext cx="1182864" cy="354677"/>
+              <a:off x="0" y="-1"/>
+              <a:ext cx="1182867" cy="354680"/>
             </a:xfrm>
             <a:custGeom>
               <a:avLst/>
@@ -4525,9 +4693,6 @@
                   <a:moveTo>
                     <a:pt x="10550" y="21525"/>
                   </a:moveTo>
-                  <a:lnTo>
-                    <a:pt x="10550" y="21525"/>
-                  </a:lnTo>
                   <a:cubicBezTo>
                     <a:pt x="14677" y="20762"/>
                     <a:pt x="18136" y="14293"/>
@@ -4580,12 +4745,19 @@
             <a:effectLst/>
           </p:spPr>
           <p:txBody>
-            <a:bodyPr wrap="square" lIns="45719" tIns="45719" rIns="45719" bIns="45719" numCol="1" anchor="ctr">
+            <a:bodyPr wrap="square" lIns="45718" tIns="45718" rIns="45718" bIns="45718" numCol="1" anchor="ctr">
               <a:noAutofit/>
             </a:bodyPr>
             <a:lstStyle/>
             <a:p>
-              <a:pPr algn="ctr"/>
+              <a:pPr algn="ctr">
+                <a:defRPr>
+                  <a:latin typeface="+mn-lt"/>
+                  <a:ea typeface="+mn-ea"/>
+                  <a:cs typeface="+mn-cs"/>
+                  <a:sym typeface="Calibri"/>
+                </a:defRPr>
+              </a:pPr>
             </a:p>
           </p:txBody>
         </p:sp>
@@ -4598,8 +4770,8 @@
         </p:nvSpPr>
         <p:spPr>
           <a:xfrm>
-            <a:off x="5605276" y="2389237"/>
-            <a:ext cx="508879" cy="358141"/>
+            <a:off x="5807531" y="2898954"/>
+            <a:ext cx="508877" cy="358139"/>
           </a:xfrm>
           <a:prstGeom prst="rect">
             <a:avLst/>
@@ -4614,10 +4786,19 @@
           </a:extLst>
         </p:spPr>
         <p:txBody>
-          <a:bodyPr wrap="none" lIns="45719" rIns="45719">
+          <a:bodyPr wrap="none" lIns="45718" tIns="45718" rIns="45718" bIns="45718">
             <a:spAutoFit/>
           </a:bodyPr>
-          <a:lstStyle/>
+          <a:lstStyle>
+            <a:lvl1pPr>
+              <a:defRPr>
+                <a:latin typeface="+mn-lt"/>
+                <a:ea typeface="+mn-ea"/>
+                <a:cs typeface="+mn-cs"/>
+                <a:sym typeface="Calibri"/>
+              </a:defRPr>
+            </a:lvl1pPr>
+          </a:lstStyle>
           <a:p>
             <a:pPr/>
             <a:r>
@@ -4634,8 +4815,8 @@
         </p:nvSpPr>
         <p:spPr>
           <a:xfrm>
-            <a:off x="5521616" y="3083172"/>
-            <a:ext cx="676199" cy="358141"/>
+            <a:off x="5723871" y="3592889"/>
+            <a:ext cx="676197" cy="358139"/>
           </a:xfrm>
           <a:prstGeom prst="rect">
             <a:avLst/>
@@ -4650,10 +4831,19 @@
           </a:extLst>
         </p:spPr>
         <p:txBody>
-          <a:bodyPr wrap="none" lIns="45719" rIns="45719">
+          <a:bodyPr wrap="none" lIns="45718" tIns="45718" rIns="45718" bIns="45718">
             <a:spAutoFit/>
           </a:bodyPr>
-          <a:lstStyle/>
+          <a:lstStyle>
+            <a:lvl1pPr>
+              <a:defRPr>
+                <a:latin typeface="+mn-lt"/>
+                <a:ea typeface="+mn-ea"/>
+                <a:cs typeface="+mn-cs"/>
+                <a:sym typeface="Calibri"/>
+              </a:defRPr>
+            </a:lvl1pPr>
+          </a:lstStyle>
           <a:p>
             <a:pPr/>
             <a:r>
@@ -4670,8 +4860,8 @@
         </p:nvSpPr>
         <p:spPr>
           <a:xfrm>
-            <a:off x="5371039" y="3668182"/>
-            <a:ext cx="977352" cy="358141"/>
+            <a:off x="5573294" y="4177899"/>
+            <a:ext cx="977351" cy="358139"/>
           </a:xfrm>
           <a:prstGeom prst="rect">
             <a:avLst/>
@@ -4686,10 +4876,19 @@
           </a:extLst>
         </p:spPr>
         <p:txBody>
-          <a:bodyPr wrap="none" lIns="45719" rIns="45719">
+          <a:bodyPr wrap="none" lIns="45718" tIns="45718" rIns="45718" bIns="45718">
             <a:spAutoFit/>
           </a:bodyPr>
-          <a:lstStyle/>
+          <a:lstStyle>
+            <a:lvl1pPr>
+              <a:defRPr>
+                <a:latin typeface="+mn-lt"/>
+                <a:ea typeface="+mn-ea"/>
+                <a:cs typeface="+mn-cs"/>
+                <a:sym typeface="Calibri"/>
+              </a:defRPr>
+            </a:lvl1pPr>
+          </a:lstStyle>
           <a:p>
             <a:pPr/>
             <a:r>
@@ -4700,14 +4899,14 @@
       </p:sp>
       <p:sp>
         <p:nvSpPr>
-          <p:cNvPr id="152" name="Hessian-Free"/>
+          <p:cNvPr id="152" name="or"/>
           <p:cNvSpPr/>
           <p:nvPr/>
         </p:nvSpPr>
         <p:spPr>
           <a:xfrm>
-            <a:off x="5151815" y="4253192"/>
-            <a:ext cx="1415800" cy="358141"/>
+            <a:off x="5927641" y="3914626"/>
+            <a:ext cx="268656" cy="294639"/>
           </a:xfrm>
           <a:prstGeom prst="rect">
             <a:avLst/>
@@ -4722,152 +4921,88 @@
           </a:extLst>
         </p:spPr>
         <p:txBody>
-          <a:bodyPr wrap="none" lIns="45719" rIns="45719">
+          <a:bodyPr wrap="none" lIns="45718" tIns="45718" rIns="45718" bIns="45718">
             <a:spAutoFit/>
           </a:bodyPr>
-          <a:lstStyle/>
+          <a:lstStyle>
+            <a:lvl1pPr>
+              <a:defRPr sz="1400">
+                <a:solidFill>
+                  <a:srgbClr val="FF2600"/>
+                </a:solidFill>
+                <a:latin typeface="+mn-lt"/>
+                <a:ea typeface="+mn-ea"/>
+                <a:cs typeface="+mn-cs"/>
+                <a:sym typeface="Calibri"/>
+              </a:defRPr>
+            </a:lvl1pPr>
+          </a:lstStyle>
           <a:p>
             <a:pPr/>
             <a:r>
-              <a:t>Hessian-Free</a:t>
+              <a:t>or</a:t>
             </a:r>
           </a:p>
         </p:txBody>
       </p:sp>
       <p:sp>
         <p:nvSpPr>
-          <p:cNvPr id="165" name="Connection Line"/>
+          <p:cNvPr id="153" name="or"/>
           <p:cNvSpPr/>
           <p:nvPr/>
         </p:nvSpPr>
         <p:spPr>
           <a:xfrm>
-            <a:off x="2274388" y="2594603"/>
-            <a:ext cx="3330884" cy="1368838"/>
+            <a:off x="5927641" y="3277672"/>
+            <a:ext cx="268656" cy="294639"/>
           </a:xfrm>
-          <a:custGeom>
+          <a:prstGeom prst="rect">
             <a:avLst/>
-            <a:gdLst/>
-            <a:ahLst/>
-            <a:cxnLst>
-              <a:cxn ang="0">
-                <a:pos x="wd2" y="hd2"/>
-              </a:cxn>
-              <a:cxn ang="5400000">
-                <a:pos x="wd2" y="hd2"/>
-              </a:cxn>
-              <a:cxn ang="10800000">
-                <a:pos x="wd2" y="hd2"/>
-              </a:cxn>
-              <a:cxn ang="16200000">
-                <a:pos x="wd2" y="hd2"/>
-              </a:cxn>
-            </a:cxnLst>
-            <a:rect l="0" t="0" r="r" b="b"/>
-            <a:pathLst>
-              <a:path w="21600" h="21600" fill="norm" stroke="1" extrusionOk="0">
-                <a:moveTo>
-                  <a:pt x="0" y="21600"/>
-                </a:moveTo>
-                <a:cubicBezTo>
-                  <a:pt x="5403" y="9770"/>
-                  <a:pt x="12603" y="2570"/>
-                  <a:pt x="21600" y="0"/>
-                </a:cubicBezTo>
-              </a:path>
-            </a:pathLst>
-          </a:custGeom>
+          </a:prstGeom>
           <a:ln w="12700">
-            <a:solidFill>
-              <a:srgbClr val="000000"/>
-            </a:solidFill>
-            <a:custDash>
-              <a:ds d="200000" sp="200000"/>
-            </a:custDash>
             <a:miter lim="400000"/>
-            <a:tailEnd type="triangle"/>
           </a:ln>
+          <a:extLst>
+            <a:ext uri="{C572A759-6A51-4108-AA02-DFA0A04FC94B}">
+              <ma14:wrappingTextBoxFlag xmlns:ma14="http://schemas.microsoft.com/office/mac/drawingml/2011/main" val="1"/>
+            </a:ext>
+          </a:extLst>
         </p:spPr>
         <p:txBody>
-          <a:bodyPr/>
-          <a:lstStyle/>
+          <a:bodyPr wrap="none" lIns="45718" tIns="45718" rIns="45718" bIns="45718">
+            <a:spAutoFit/>
+          </a:bodyPr>
+          <a:lstStyle>
+            <a:lvl1pPr>
+              <a:defRPr sz="1400">
+                <a:solidFill>
+                  <a:srgbClr val="FF2600"/>
+                </a:solidFill>
+                <a:latin typeface="+mn-lt"/>
+                <a:ea typeface="+mn-ea"/>
+                <a:cs typeface="+mn-cs"/>
+                <a:sym typeface="Calibri"/>
+              </a:defRPr>
+            </a:lvl1pPr>
+          </a:lstStyle>
           <a:p>
             <a:pPr/>
+            <a:r>
+              <a:t>or</a:t>
+            </a:r>
           </a:p>
         </p:txBody>
       </p:sp>
       <p:sp>
         <p:nvSpPr>
-          <p:cNvPr id="166" name="Connection Line"/>
+          <p:cNvPr id="160" name="Connection Line"/>
           <p:cNvSpPr/>
           <p:nvPr/>
         </p:nvSpPr>
         <p:spPr>
           <a:xfrm>
-            <a:off x="2257373" y="3271495"/>
-            <a:ext cx="3264243" cy="706332"/>
-          </a:xfrm>
-          <a:custGeom>
-            <a:avLst/>
-            <a:gdLst/>
-            <a:ahLst/>
-            <a:cxnLst>
-              <a:cxn ang="0">
-                <a:pos x="wd2" y="hd2"/>
-              </a:cxn>
-              <a:cxn ang="5400000">
-                <a:pos x="wd2" y="hd2"/>
-              </a:cxn>
-              <a:cxn ang="10800000">
-                <a:pos x="wd2" y="hd2"/>
-              </a:cxn>
-              <a:cxn ang="16200000">
-                <a:pos x="wd2" y="hd2"/>
-              </a:cxn>
-            </a:cxnLst>
-            <a:rect l="0" t="0" r="r" b="b"/>
-            <a:pathLst>
-              <a:path w="21600" h="21600" fill="norm" stroke="1" extrusionOk="0">
-                <a:moveTo>
-                  <a:pt x="0" y="21600"/>
-                </a:moveTo>
-                <a:cubicBezTo>
-                  <a:pt x="7007" y="8710"/>
-                  <a:pt x="14207" y="1510"/>
-                  <a:pt x="21600" y="0"/>
-                </a:cubicBezTo>
-              </a:path>
-            </a:pathLst>
-          </a:custGeom>
-          <a:ln w="12700">
-            <a:solidFill>
-              <a:srgbClr val="000000"/>
-            </a:solidFill>
-            <a:custDash>
-              <a:ds d="200000" sp="200000"/>
-            </a:custDash>
-            <a:miter lim="400000"/>
-            <a:tailEnd type="triangle"/>
-          </a:ln>
-        </p:spPr>
-        <p:txBody>
-          <a:bodyPr/>
-          <a:lstStyle/>
-          <a:p>
-            <a:pPr/>
-          </a:p>
-        </p:txBody>
-      </p:sp>
-      <p:sp>
-        <p:nvSpPr>
-          <p:cNvPr id="167" name="Connection Line"/>
-          <p:cNvSpPr/>
-          <p:nvPr/>
-        </p:nvSpPr>
-        <p:spPr>
-          <a:xfrm>
-            <a:off x="2269665" y="3864062"/>
-            <a:ext cx="3101375" cy="106683"/>
+            <a:off x="2474096" y="3124282"/>
+            <a:ext cx="3333436" cy="606041"/>
           </a:xfrm>
           <a:custGeom>
             <a:avLst/>
@@ -4922,14 +5057,14 @@
       </p:sp>
       <p:sp>
         <p:nvSpPr>
-          <p:cNvPr id="168" name="Connection Line"/>
+          <p:cNvPr id="161" name="Connection Line"/>
           <p:cNvSpPr/>
           <p:nvPr/>
         </p:nvSpPr>
         <p:spPr>
           <a:xfrm>
-            <a:off x="2298972" y="3952624"/>
-            <a:ext cx="2852843" cy="496291"/>
+            <a:off x="2474096" y="3771959"/>
+            <a:ext cx="3249776" cy="2"/>
           </a:xfrm>
           <a:custGeom>
             <a:avLst/>
@@ -4953,12 +5088,12 @@
             <a:pathLst>
               <a:path w="21600" h="21600" fill="norm" stroke="1" extrusionOk="0">
                 <a:moveTo>
-                  <a:pt x="0" y="0"/>
+                  <a:pt x="0" y="21600"/>
                 </a:moveTo>
                 <a:cubicBezTo>
-                  <a:pt x="6889" y="13857"/>
-                  <a:pt x="14089" y="21057"/>
-                  <a:pt x="21600" y="21600"/>
+                  <a:pt x="7200" y="14400"/>
+                  <a:pt x="14400" y="7200"/>
+                  <a:pt x="21600" y="0"/>
                 </a:cubicBezTo>
               </a:path>
             </a:pathLst>
@@ -4984,270 +5119,14 @@
       </p:sp>
       <p:sp>
         <p:nvSpPr>
-          <p:cNvPr id="157" name="or"/>
+          <p:cNvPr id="162" name="Connection Line"/>
           <p:cNvSpPr/>
           <p:nvPr/>
         </p:nvSpPr>
         <p:spPr>
           <a:xfrm>
-            <a:off x="5725386" y="3404909"/>
-            <a:ext cx="268658" cy="294641"/>
-          </a:xfrm>
-          <a:prstGeom prst="rect">
-            <a:avLst/>
-          </a:prstGeom>
-          <a:ln w="12700">
-            <a:miter lim="400000"/>
-          </a:ln>
-          <a:extLst>
-            <a:ext uri="{C572A759-6A51-4108-AA02-DFA0A04FC94B}">
-              <ma14:wrappingTextBoxFlag xmlns:ma14="http://schemas.microsoft.com/office/mac/drawingml/2011/main" val="1"/>
-            </a:ext>
-          </a:extLst>
-        </p:spPr>
-        <p:txBody>
-          <a:bodyPr wrap="none" lIns="45719" rIns="45719">
-            <a:spAutoFit/>
-          </a:bodyPr>
-          <a:lstStyle>
-            <a:lvl1pPr>
-              <a:defRPr sz="1400">
-                <a:solidFill>
-                  <a:srgbClr val="FF2600"/>
-                </a:solidFill>
-              </a:defRPr>
-            </a:lvl1pPr>
-          </a:lstStyle>
-          <a:p>
-            <a:pPr/>
-            <a:r>
-              <a:t>or</a:t>
-            </a:r>
-          </a:p>
-        </p:txBody>
-      </p:sp>
-      <p:sp>
-        <p:nvSpPr>
-          <p:cNvPr id="158" name="or"/>
-          <p:cNvSpPr/>
-          <p:nvPr/>
-        </p:nvSpPr>
-        <p:spPr>
-          <a:xfrm>
-            <a:off x="5725386" y="2767955"/>
-            <a:ext cx="268658" cy="294641"/>
-          </a:xfrm>
-          <a:prstGeom prst="rect">
-            <a:avLst/>
-          </a:prstGeom>
-          <a:ln w="12700">
-            <a:miter lim="400000"/>
-          </a:ln>
-          <a:extLst>
-            <a:ext uri="{C572A759-6A51-4108-AA02-DFA0A04FC94B}">
-              <ma14:wrappingTextBoxFlag xmlns:ma14="http://schemas.microsoft.com/office/mac/drawingml/2011/main" val="1"/>
-            </a:ext>
-          </a:extLst>
-        </p:spPr>
-        <p:txBody>
-          <a:bodyPr wrap="none" lIns="45719" rIns="45719">
-            <a:spAutoFit/>
-          </a:bodyPr>
-          <a:lstStyle>
-            <a:lvl1pPr>
-              <a:defRPr sz="1400">
-                <a:solidFill>
-                  <a:srgbClr val="FF2600"/>
-                </a:solidFill>
-              </a:defRPr>
-            </a:lvl1pPr>
-          </a:lstStyle>
-          <a:p>
-            <a:pPr/>
-            <a:r>
-              <a:t>or</a:t>
-            </a:r>
-          </a:p>
-        </p:txBody>
-      </p:sp>
-      <p:sp>
-        <p:nvSpPr>
-          <p:cNvPr id="159" name="or"/>
-          <p:cNvSpPr/>
-          <p:nvPr/>
-        </p:nvSpPr>
-        <p:spPr>
-          <a:xfrm>
-            <a:off x="5725386" y="4041864"/>
-            <a:ext cx="268658" cy="294641"/>
-          </a:xfrm>
-          <a:prstGeom prst="rect">
-            <a:avLst/>
-          </a:prstGeom>
-          <a:ln w="12700">
-            <a:miter lim="400000"/>
-          </a:ln>
-          <a:extLst>
-            <a:ext uri="{C572A759-6A51-4108-AA02-DFA0A04FC94B}">
-              <ma14:wrappingTextBoxFlag xmlns:ma14="http://schemas.microsoft.com/office/mac/drawingml/2011/main" val="1"/>
-            </a:ext>
-          </a:extLst>
-        </p:spPr>
-        <p:txBody>
-          <a:bodyPr wrap="none" lIns="45719" rIns="45719">
-            <a:spAutoFit/>
-          </a:bodyPr>
-          <a:lstStyle>
-            <a:lvl1pPr>
-              <a:defRPr sz="1400">
-                <a:solidFill>
-                  <a:srgbClr val="FF2600"/>
-                </a:solidFill>
-              </a:defRPr>
-            </a:lvl1pPr>
-          </a:lstStyle>
-          <a:p>
-            <a:pPr/>
-            <a:r>
-              <a:t>or</a:t>
-            </a:r>
-          </a:p>
-        </p:txBody>
-      </p:sp>
-      <p:sp>
-        <p:nvSpPr>
-          <p:cNvPr id="169" name="Connection Line"/>
-          <p:cNvSpPr/>
-          <p:nvPr/>
-        </p:nvSpPr>
-        <p:spPr>
-          <a:xfrm>
-            <a:off x="6114154" y="2557465"/>
-            <a:ext cx="2889335" cy="1105122"/>
-          </a:xfrm>
-          <a:custGeom>
-            <a:avLst/>
-            <a:gdLst/>
-            <a:ahLst/>
-            <a:cxnLst>
-              <a:cxn ang="0">
-                <a:pos x="wd2" y="hd2"/>
-              </a:cxn>
-              <a:cxn ang="5400000">
-                <a:pos x="wd2" y="hd2"/>
-              </a:cxn>
-              <a:cxn ang="10800000">
-                <a:pos x="wd2" y="hd2"/>
-              </a:cxn>
-              <a:cxn ang="16200000">
-                <a:pos x="wd2" y="hd2"/>
-              </a:cxn>
-            </a:cxnLst>
-            <a:rect l="0" t="0" r="r" b="b"/>
-            <a:pathLst>
-              <a:path w="21600" h="21356" fill="norm" stroke="1" extrusionOk="0">
-                <a:moveTo>
-                  <a:pt x="0" y="7"/>
-                </a:moveTo>
-                <a:cubicBezTo>
-                  <a:pt x="7840" y="-244"/>
-                  <a:pt x="15040" y="6872"/>
-                  <a:pt x="21600" y="21356"/>
-                </a:cubicBezTo>
-              </a:path>
-            </a:pathLst>
-          </a:custGeom>
-          <a:ln w="12700">
-            <a:solidFill>
-              <a:srgbClr val="000000"/>
-            </a:solidFill>
-            <a:custDash>
-              <a:ds d="200000" sp="200000"/>
-            </a:custDash>
-            <a:miter lim="400000"/>
-            <a:tailEnd type="triangle"/>
-          </a:ln>
-        </p:spPr>
-        <p:txBody>
-          <a:bodyPr/>
-          <a:lstStyle/>
-          <a:p>
-            <a:pPr/>
-          </a:p>
-        </p:txBody>
-      </p:sp>
-      <p:sp>
-        <p:nvSpPr>
-          <p:cNvPr id="170" name="Connection Line"/>
-          <p:cNvSpPr/>
-          <p:nvPr/>
-        </p:nvSpPr>
-        <p:spPr>
-          <a:xfrm>
-            <a:off x="6197814" y="3261102"/>
-            <a:ext cx="2735899" cy="484898"/>
-          </a:xfrm>
-          <a:custGeom>
-            <a:avLst/>
-            <a:gdLst/>
-            <a:ahLst/>
-            <a:cxnLst>
-              <a:cxn ang="0">
-                <a:pos x="wd2" y="hd2"/>
-              </a:cxn>
-              <a:cxn ang="5400000">
-                <a:pos x="wd2" y="hd2"/>
-              </a:cxn>
-              <a:cxn ang="10800000">
-                <a:pos x="wd2" y="hd2"/>
-              </a:cxn>
-              <a:cxn ang="16200000">
-                <a:pos x="wd2" y="hd2"/>
-              </a:cxn>
-            </a:cxnLst>
-            <a:rect l="0" t="0" r="r" b="b"/>
-            <a:pathLst>
-              <a:path w="21600" h="21600" fill="norm" stroke="1" extrusionOk="0">
-                <a:moveTo>
-                  <a:pt x="0" y="0"/>
-                </a:moveTo>
-                <a:cubicBezTo>
-                  <a:pt x="7402" y="644"/>
-                  <a:pt x="14602" y="7844"/>
-                  <a:pt x="21600" y="21600"/>
-                </a:cubicBezTo>
-              </a:path>
-            </a:pathLst>
-          </a:custGeom>
-          <a:ln w="12700">
-            <a:solidFill>
-              <a:srgbClr val="000000"/>
-            </a:solidFill>
-            <a:custDash>
-              <a:ds d="200000" sp="200000"/>
-            </a:custDash>
-            <a:miter lim="400000"/>
-            <a:tailEnd type="triangle"/>
-          </a:ln>
-        </p:spPr>
-        <p:txBody>
-          <a:bodyPr/>
-          <a:lstStyle/>
-          <a:p>
-            <a:pPr/>
-          </a:p>
-        </p:txBody>
-      </p:sp>
-      <p:sp>
-        <p:nvSpPr>
-          <p:cNvPr id="171" name="Connection Line"/>
-          <p:cNvSpPr/>
-          <p:nvPr/>
-        </p:nvSpPr>
-        <p:spPr>
-          <a:xfrm>
-            <a:off x="6348390" y="3847252"/>
-            <a:ext cx="2585323" cy="1"/>
+            <a:off x="2474096" y="3807062"/>
+            <a:ext cx="3099199" cy="475009"/>
           </a:xfrm>
           <a:custGeom>
             <a:avLst/>
@@ -5302,14 +5181,138 @@
       </p:sp>
       <p:sp>
         <p:nvSpPr>
-          <p:cNvPr id="172" name="Connection Line"/>
+          <p:cNvPr id="163" name="Connection Line"/>
           <p:cNvSpPr/>
           <p:nvPr/>
         </p:nvSpPr>
         <p:spPr>
           <a:xfrm>
-            <a:off x="6567614" y="4003188"/>
-            <a:ext cx="2366099" cy="446577"/>
+            <a:off x="6316410" y="3134115"/>
+            <a:ext cx="2617301" cy="576993"/>
+          </a:xfrm>
+          <a:custGeom>
+            <a:avLst/>
+            <a:gdLst/>
+            <a:ahLst/>
+            <a:cxnLst>
+              <a:cxn ang="0">
+                <a:pos x="wd2" y="hd2"/>
+              </a:cxn>
+              <a:cxn ang="5400000">
+                <a:pos x="wd2" y="hd2"/>
+              </a:cxn>
+              <a:cxn ang="10800000">
+                <a:pos x="wd2" y="hd2"/>
+              </a:cxn>
+              <a:cxn ang="16200000">
+                <a:pos x="wd2" y="hd2"/>
+              </a:cxn>
+            </a:cxnLst>
+            <a:rect l="0" t="0" r="r" b="b"/>
+            <a:pathLst>
+              <a:path w="21600" h="21600" fill="norm" stroke="1" extrusionOk="0">
+                <a:moveTo>
+                  <a:pt x="0" y="0"/>
+                </a:moveTo>
+                <a:cubicBezTo>
+                  <a:pt x="7200" y="7200"/>
+                  <a:pt x="14400" y="14400"/>
+                  <a:pt x="21600" y="21600"/>
+                </a:cubicBezTo>
+              </a:path>
+            </a:pathLst>
+          </a:custGeom>
+          <a:ln w="12700">
+            <a:solidFill>
+              <a:srgbClr val="000000"/>
+            </a:solidFill>
+            <a:custDash>
+              <a:ds d="200000" sp="200000"/>
+            </a:custDash>
+            <a:miter lim="400000"/>
+            <a:tailEnd type="triangle"/>
+          </a:ln>
+        </p:spPr>
+        <p:txBody>
+          <a:bodyPr/>
+          <a:lstStyle/>
+          <a:p>
+            <a:pPr/>
+          </a:p>
+        </p:txBody>
+      </p:sp>
+      <p:sp>
+        <p:nvSpPr>
+          <p:cNvPr id="164" name="Connection Line"/>
+          <p:cNvSpPr/>
+          <p:nvPr/>
+        </p:nvSpPr>
+        <p:spPr>
+          <a:xfrm>
+            <a:off x="6400070" y="3771959"/>
+            <a:ext cx="2533641" cy="2"/>
+          </a:xfrm>
+          <a:custGeom>
+            <a:avLst/>
+            <a:gdLst/>
+            <a:ahLst/>
+            <a:cxnLst>
+              <a:cxn ang="0">
+                <a:pos x="wd2" y="hd2"/>
+              </a:cxn>
+              <a:cxn ang="5400000">
+                <a:pos x="wd2" y="hd2"/>
+              </a:cxn>
+              <a:cxn ang="10800000">
+                <a:pos x="wd2" y="hd2"/>
+              </a:cxn>
+              <a:cxn ang="16200000">
+                <a:pos x="wd2" y="hd2"/>
+              </a:cxn>
+            </a:cxnLst>
+            <a:rect l="0" t="0" r="r" b="b"/>
+            <a:pathLst>
+              <a:path w="21600" h="21600" fill="norm" stroke="1" extrusionOk="0">
+                <a:moveTo>
+                  <a:pt x="0" y="0"/>
+                </a:moveTo>
+                <a:cubicBezTo>
+                  <a:pt x="7200" y="7200"/>
+                  <a:pt x="14400" y="14400"/>
+                  <a:pt x="21600" y="21600"/>
+                </a:cubicBezTo>
+              </a:path>
+            </a:pathLst>
+          </a:custGeom>
+          <a:ln w="12700">
+            <a:solidFill>
+              <a:srgbClr val="000000"/>
+            </a:solidFill>
+            <a:custDash>
+              <a:ds d="200000" sp="200000"/>
+            </a:custDash>
+            <a:miter lim="400000"/>
+            <a:tailEnd type="triangle"/>
+          </a:ln>
+        </p:spPr>
+        <p:txBody>
+          <a:bodyPr/>
+          <a:lstStyle/>
+          <a:p>
+            <a:pPr/>
+          </a:p>
+        </p:txBody>
+      </p:sp>
+      <p:sp>
+        <p:nvSpPr>
+          <p:cNvPr id="165" name="Connection Line"/>
+          <p:cNvSpPr/>
+          <p:nvPr/>
+        </p:nvSpPr>
+        <p:spPr>
+          <a:xfrm>
+            <a:off x="6550646" y="3823261"/>
+            <a:ext cx="2383065" cy="442889"/>
           </a:xfrm>
           <a:custGeom>
             <a:avLst/>
@@ -5336,8 +5339,8 @@
                   <a:pt x="0" y="21600"/>
                 </a:moveTo>
                 <a:cubicBezTo>
-                  <a:pt x="9020" y="21268"/>
-                  <a:pt x="16220" y="14068"/>
+                  <a:pt x="7200" y="14400"/>
+                  <a:pt x="14400" y="7200"/>
                   <a:pt x="21600" y="0"/>
                 </a:cubicBezTo>
               </a:path>
@@ -5414,14 +5417,14 @@
     </a:clrScheme>
     <a:fontScheme name="Office Theme">
       <a:majorFont>
+        <a:latin typeface="Helvetica"/>
+        <a:ea typeface="Helvetica"/>
+        <a:cs typeface="Helvetica"/>
+      </a:majorFont>
+      <a:minorFont>
         <a:latin typeface="Calibri"/>
         <a:ea typeface="Calibri"/>
         <a:cs typeface="Calibri"/>
-      </a:majorFont>
-      <a:minorFont>
-        <a:latin typeface="Helvetica"/>
-        <a:ea typeface="Helvetica"/>
-        <a:cs typeface="Helvetica"/>
       </a:minorFont>
     </a:fontScheme>
     <a:fmtScheme name="Office Theme">
@@ -5564,17 +5567,17 @@
         <a:solidFill>
           <a:srgbClr val="FFFFFF"/>
         </a:solidFill>
-        <a:ln w="12700" cap="flat">
+        <a:ln w="25400" cap="flat">
           <a:solidFill>
             <a:schemeClr val="accent1"/>
           </a:solidFill>
           <a:prstDash val="solid"/>
-          <a:miter lim="800000"/>
+          <a:round/>
         </a:ln>
         <a:effectLst/>
         <a:sp3d/>
       </a:spPr>
-      <a:bodyPr rot="0" spcFirstLastPara="1" vertOverflow="overflow" horzOverflow="overflow" vert="horz" wrap="square" lIns="45719" tIns="45719" rIns="45719" bIns="45719" numCol="1" spcCol="38100" rtlCol="0" anchor="ctr" upright="0">
+      <a:bodyPr rot="0" spcFirstLastPara="1" vertOverflow="overflow" horzOverflow="overflow" vert="horz" wrap="square" lIns="45718" tIns="45718" rIns="45718" bIns="45718" numCol="1" spcCol="38100" rtlCol="0" anchor="ctr" upright="0">
         <a:spAutoFit/>
       </a:bodyPr>
       <a:lstStyle>
@@ -5605,7 +5608,7 @@
             <a:latin typeface="+mj-lt"/>
             <a:ea typeface="+mj-ea"/>
             <a:cs typeface="+mj-cs"/>
-            <a:sym typeface="Calibri"/>
+            <a:sym typeface="Helvetica"/>
           </a:defRPr>
         </a:defPPr>
         <a:lvl1pPr marL="0" marR="0" indent="0" algn="l" defTabSz="914400" rtl="0" fontAlgn="auto" latinLnBrk="1" hangingPunct="0">
@@ -5853,12 +5856,12 @@
     <a:lnDef>
       <a:spPr>
         <a:noFill/>
-        <a:ln w="12700" cap="flat">
+        <a:ln w="25400" cap="flat">
           <a:solidFill>
             <a:schemeClr val="accent1"/>
           </a:solidFill>
           <a:prstDash val="solid"/>
-          <a:miter lim="800000"/>
+          <a:round/>
         </a:ln>
         <a:effectLst/>
         <a:sp3d/>
@@ -6145,7 +6148,7 @@
         <a:effectLst/>
         <a:sp3d/>
       </a:spPr>
-      <a:bodyPr rot="0" spcFirstLastPara="1" vertOverflow="overflow" horzOverflow="overflow" vert="horz" wrap="square" lIns="45719" tIns="45719" rIns="45719" bIns="45719" numCol="1" spcCol="38100" rtlCol="0" anchor="t" upright="0">
+      <a:bodyPr rot="0" spcFirstLastPara="1" vertOverflow="overflow" horzOverflow="overflow" vert="horz" wrap="square" lIns="45718" tIns="45718" rIns="45718" bIns="45718" numCol="1" spcCol="38100" rtlCol="0" anchor="t" upright="0">
         <a:spAutoFit/>
       </a:bodyPr>
       <a:lstStyle>
@@ -6176,7 +6179,7 @@
             <a:latin typeface="+mj-lt"/>
             <a:ea typeface="+mj-ea"/>
             <a:cs typeface="+mj-cs"/>
-            <a:sym typeface="Calibri"/>
+            <a:sym typeface="Helvetica"/>
           </a:defRPr>
         </a:defPPr>
         <a:lvl1pPr marL="0" marR="0" indent="0" algn="l" defTabSz="914400" rtl="0" fontAlgn="auto" latinLnBrk="1" hangingPunct="0">
@@ -6468,14 +6471,14 @@
     </a:clrScheme>
     <a:fontScheme name="Office Theme">
       <a:majorFont>
+        <a:latin typeface="Helvetica"/>
+        <a:ea typeface="Helvetica"/>
+        <a:cs typeface="Helvetica"/>
+      </a:majorFont>
+      <a:minorFont>
         <a:latin typeface="Calibri"/>
         <a:ea typeface="Calibri"/>
         <a:cs typeface="Calibri"/>
-      </a:majorFont>
-      <a:minorFont>
-        <a:latin typeface="Helvetica"/>
-        <a:ea typeface="Helvetica"/>
-        <a:cs typeface="Helvetica"/>
       </a:minorFont>
     </a:fontScheme>
     <a:fmtScheme name="Office Theme">
@@ -6618,17 +6621,17 @@
         <a:solidFill>
           <a:srgbClr val="FFFFFF"/>
         </a:solidFill>
-        <a:ln w="12700" cap="flat">
+        <a:ln w="25400" cap="flat">
           <a:solidFill>
             <a:schemeClr val="accent1"/>
           </a:solidFill>
           <a:prstDash val="solid"/>
-          <a:miter lim="800000"/>
+          <a:round/>
         </a:ln>
         <a:effectLst/>
         <a:sp3d/>
       </a:spPr>
-      <a:bodyPr rot="0" spcFirstLastPara="1" vertOverflow="overflow" horzOverflow="overflow" vert="horz" wrap="square" lIns="45719" tIns="45719" rIns="45719" bIns="45719" numCol="1" spcCol="38100" rtlCol="0" anchor="ctr" upright="0">
+      <a:bodyPr rot="0" spcFirstLastPara="1" vertOverflow="overflow" horzOverflow="overflow" vert="horz" wrap="square" lIns="45718" tIns="45718" rIns="45718" bIns="45718" numCol="1" spcCol="38100" rtlCol="0" anchor="ctr" upright="0">
         <a:spAutoFit/>
       </a:bodyPr>
       <a:lstStyle>
@@ -6659,7 +6662,7 @@
             <a:latin typeface="+mj-lt"/>
             <a:ea typeface="+mj-ea"/>
             <a:cs typeface="+mj-cs"/>
-            <a:sym typeface="Calibri"/>
+            <a:sym typeface="Helvetica"/>
           </a:defRPr>
         </a:defPPr>
         <a:lvl1pPr marL="0" marR="0" indent="0" algn="l" defTabSz="914400" rtl="0" fontAlgn="auto" latinLnBrk="1" hangingPunct="0">
@@ -6907,12 +6910,12 @@
     <a:lnDef>
       <a:spPr>
         <a:noFill/>
-        <a:ln w="12700" cap="flat">
+        <a:ln w="25400" cap="flat">
           <a:solidFill>
             <a:schemeClr val="accent1"/>
           </a:solidFill>
           <a:prstDash val="solid"/>
-          <a:miter lim="800000"/>
+          <a:round/>
         </a:ln>
         <a:effectLst/>
         <a:sp3d/>
@@ -7199,7 +7202,7 @@
         <a:effectLst/>
         <a:sp3d/>
       </a:spPr>
-      <a:bodyPr rot="0" spcFirstLastPara="1" vertOverflow="overflow" horzOverflow="overflow" vert="horz" wrap="square" lIns="45719" tIns="45719" rIns="45719" bIns="45719" numCol="1" spcCol="38100" rtlCol="0" anchor="t" upright="0">
+      <a:bodyPr rot="0" spcFirstLastPara="1" vertOverflow="overflow" horzOverflow="overflow" vert="horz" wrap="square" lIns="45718" tIns="45718" rIns="45718" bIns="45718" numCol="1" spcCol="38100" rtlCol="0" anchor="t" upright="0">
         <a:spAutoFit/>
       </a:bodyPr>
       <a:lstStyle>
@@ -7230,7 +7233,7 @@
             <a:latin typeface="+mj-lt"/>
             <a:ea typeface="+mj-ea"/>
             <a:cs typeface="+mj-cs"/>
-            <a:sym typeface="Calibri"/>
+            <a:sym typeface="Helvetica"/>
           </a:defRPr>
         </a:defPPr>
         <a:lvl1pPr marL="0" marR="0" indent="0" algn="l" defTabSz="914400" rtl="0" fontAlgn="auto" latinLnBrk="1" hangingPunct="0">

--- a/other/flow chart_2.pptx
+++ b/other/flow chart_2.pptx
@@ -1733,8 +1733,8 @@
         </p:nvSpPr>
         <p:spPr>
           <a:xfrm>
-            <a:off x="839786" y="2057400"/>
-            <a:ext cx="3932241" cy="3811588"/>
+            <a:off x="839787" y="2057400"/>
+            <a:ext cx="3932240" cy="3811588"/>
           </a:xfrm>
           <a:prstGeom prst="rect">
             <a:avLst/>
@@ -3190,7 +3190,7 @@
         <p:spPr>
           <a:xfrm rot="5400000">
             <a:off x="7907900" y="4075499"/>
-            <a:ext cx="1454157" cy="1176517"/>
+            <a:ext cx="1454156" cy="1176517"/>
           </a:xfrm>
           <a:custGeom>
             <a:avLst/>
@@ -3256,7 +3256,7 @@
         </p:nvGrpSpPr>
         <p:grpSpPr>
           <a:xfrm>
-            <a:off x="8933709" y="3587292"/>
+            <a:off x="8933710" y="3587292"/>
             <a:ext cx="552078" cy="369336"/>
             <a:chOff x="0" y="-1"/>
             <a:chExt cx="552077" cy="369335"/>
@@ -3430,8 +3430,8 @@
         </p:nvGrpSpPr>
         <p:grpSpPr>
           <a:xfrm>
-            <a:off x="2264899" y="4970362"/>
-            <a:ext cx="1858843" cy="646333"/>
+            <a:off x="5166578" y="4794659"/>
+            <a:ext cx="1858844" cy="646333"/>
             <a:chOff x="0" y="0"/>
             <a:chExt cx="1858842" cy="646332"/>
           </a:xfrm>
@@ -3538,7 +3538,7 @@
         <p:spPr>
           <a:xfrm>
             <a:off x="1684712" y="2744705"/>
-            <a:ext cx="8473442" cy="2054510"/>
+            <a:ext cx="8473442" cy="2054511"/>
           </a:xfrm>
           <a:prstGeom prst="rect">
             <a:avLst/>
@@ -3578,8 +3578,8 @@
         </p:nvSpPr>
         <p:spPr>
           <a:xfrm>
-            <a:off x="1828919" y="2854505"/>
-            <a:ext cx="1085555" cy="447039"/>
+            <a:off x="1828918" y="2854505"/>
+            <a:ext cx="1085556" cy="447039"/>
           </a:xfrm>
           <a:prstGeom prst="rect">
             <a:avLst/>
@@ -4770,7 +4770,7 @@
         </p:nvSpPr>
         <p:spPr>
           <a:xfrm>
-            <a:off x="5807531" y="2898954"/>
+            <a:off x="5874119" y="3200198"/>
             <a:ext cx="508877" cy="358139"/>
           </a:xfrm>
           <a:prstGeom prst="rect">
@@ -4815,8 +4815,8 @@
         </p:nvSpPr>
         <p:spPr>
           <a:xfrm>
-            <a:off x="5723871" y="3592889"/>
-            <a:ext cx="676197" cy="358139"/>
+            <a:off x="5790459" y="3785208"/>
+            <a:ext cx="676198" cy="358139"/>
           </a:xfrm>
           <a:prstGeom prst="rect">
             <a:avLst/>
@@ -4860,7 +4860,7 @@
         </p:nvSpPr>
         <p:spPr>
           <a:xfrm>
-            <a:off x="5573294" y="4177899"/>
+            <a:off x="5639882" y="4370218"/>
             <a:ext cx="977351" cy="358139"/>
           </a:xfrm>
           <a:prstGeom prst="rect">
@@ -4905,7 +4905,7 @@
         </p:nvSpPr>
         <p:spPr>
           <a:xfrm>
-            <a:off x="5927641" y="3914626"/>
+            <a:off x="5994230" y="4106944"/>
             <a:ext cx="268656" cy="294639"/>
           </a:xfrm>
           <a:prstGeom prst="rect">
@@ -4953,7 +4953,7 @@
         </p:nvSpPr>
         <p:spPr>
           <a:xfrm>
-            <a:off x="5927641" y="3277672"/>
+            <a:off x="5994229" y="3572138"/>
             <a:ext cx="268656" cy="294639"/>
           </a:xfrm>
           <a:prstGeom prst="rect">
@@ -4995,14 +4995,14 @@
       </p:sp>
       <p:sp>
         <p:nvSpPr>
-          <p:cNvPr id="160" name="Connection Line"/>
+          <p:cNvPr id="161" name="Connection Line"/>
           <p:cNvSpPr/>
           <p:nvPr/>
         </p:nvSpPr>
         <p:spPr>
           <a:xfrm>
-            <a:off x="2474096" y="3124282"/>
-            <a:ext cx="3333436" cy="606041"/>
+            <a:off x="2474096" y="3404996"/>
+            <a:ext cx="3400024" cy="343807"/>
           </a:xfrm>
           <a:custGeom>
             <a:avLst/>
@@ -5057,14 +5057,200 @@
       </p:sp>
       <p:sp>
         <p:nvSpPr>
-          <p:cNvPr id="161" name="Connection Line"/>
+          <p:cNvPr id="162" name="Connection Line"/>
           <p:cNvSpPr/>
           <p:nvPr/>
         </p:nvSpPr>
         <p:spPr>
           <a:xfrm>
-            <a:off x="2474096" y="3771959"/>
-            <a:ext cx="3249776" cy="2"/>
+            <a:off x="2474096" y="3783301"/>
+            <a:ext cx="3316364" cy="164234"/>
+          </a:xfrm>
+          <a:custGeom>
+            <a:avLst/>
+            <a:gdLst/>
+            <a:ahLst/>
+            <a:cxnLst>
+              <a:cxn ang="0">
+                <a:pos x="wd2" y="hd2"/>
+              </a:cxn>
+              <a:cxn ang="5400000">
+                <a:pos x="wd2" y="hd2"/>
+              </a:cxn>
+              <a:cxn ang="10800000">
+                <a:pos x="wd2" y="hd2"/>
+              </a:cxn>
+              <a:cxn ang="16200000">
+                <a:pos x="wd2" y="hd2"/>
+              </a:cxn>
+            </a:cxnLst>
+            <a:rect l="0" t="0" r="r" b="b"/>
+            <a:pathLst>
+              <a:path w="21600" h="21600" fill="norm" stroke="1" extrusionOk="0">
+                <a:moveTo>
+                  <a:pt x="0" y="0"/>
+                </a:moveTo>
+                <a:cubicBezTo>
+                  <a:pt x="7200" y="7200"/>
+                  <a:pt x="14400" y="14400"/>
+                  <a:pt x="21600" y="21600"/>
+                </a:cubicBezTo>
+              </a:path>
+            </a:pathLst>
+          </a:custGeom>
+          <a:ln w="12700">
+            <a:solidFill>
+              <a:srgbClr val="000000"/>
+            </a:solidFill>
+            <a:custDash>
+              <a:ds d="200000" sp="200000"/>
+            </a:custDash>
+            <a:miter lim="400000"/>
+            <a:tailEnd type="triangle"/>
+          </a:ln>
+        </p:spPr>
+        <p:txBody>
+          <a:bodyPr/>
+          <a:lstStyle/>
+          <a:p>
+            <a:pPr/>
+          </a:p>
+        </p:txBody>
+      </p:sp>
+      <p:sp>
+        <p:nvSpPr>
+          <p:cNvPr id="163" name="Connection Line"/>
+          <p:cNvSpPr/>
+          <p:nvPr/>
+        </p:nvSpPr>
+        <p:spPr>
+          <a:xfrm>
+            <a:off x="2474096" y="3817801"/>
+            <a:ext cx="3165787" cy="633672"/>
+          </a:xfrm>
+          <a:custGeom>
+            <a:avLst/>
+            <a:gdLst/>
+            <a:ahLst/>
+            <a:cxnLst>
+              <a:cxn ang="0">
+                <a:pos x="wd2" y="hd2"/>
+              </a:cxn>
+              <a:cxn ang="5400000">
+                <a:pos x="wd2" y="hd2"/>
+              </a:cxn>
+              <a:cxn ang="10800000">
+                <a:pos x="wd2" y="hd2"/>
+              </a:cxn>
+              <a:cxn ang="16200000">
+                <a:pos x="wd2" y="hd2"/>
+              </a:cxn>
+            </a:cxnLst>
+            <a:rect l="0" t="0" r="r" b="b"/>
+            <a:pathLst>
+              <a:path w="21600" h="21600" fill="norm" stroke="1" extrusionOk="0">
+                <a:moveTo>
+                  <a:pt x="0" y="0"/>
+                </a:moveTo>
+                <a:cubicBezTo>
+                  <a:pt x="7200" y="7200"/>
+                  <a:pt x="14400" y="14400"/>
+                  <a:pt x="21600" y="21600"/>
+                </a:cubicBezTo>
+              </a:path>
+            </a:pathLst>
+          </a:custGeom>
+          <a:ln w="12700">
+            <a:solidFill>
+              <a:srgbClr val="000000"/>
+            </a:solidFill>
+            <a:custDash>
+              <a:ds d="200000" sp="200000"/>
+            </a:custDash>
+            <a:miter lim="400000"/>
+            <a:tailEnd type="triangle"/>
+          </a:ln>
+        </p:spPr>
+        <p:txBody>
+          <a:bodyPr/>
+          <a:lstStyle/>
+          <a:p>
+            <a:pPr/>
+          </a:p>
+        </p:txBody>
+      </p:sp>
+      <p:sp>
+        <p:nvSpPr>
+          <p:cNvPr id="164" name="Connection Line"/>
+          <p:cNvSpPr/>
+          <p:nvPr/>
+        </p:nvSpPr>
+        <p:spPr>
+          <a:xfrm>
+            <a:off x="6382998" y="3411695"/>
+            <a:ext cx="2550714" cy="325085"/>
+          </a:xfrm>
+          <a:custGeom>
+            <a:avLst/>
+            <a:gdLst/>
+            <a:ahLst/>
+            <a:cxnLst>
+              <a:cxn ang="0">
+                <a:pos x="wd2" y="hd2"/>
+              </a:cxn>
+              <a:cxn ang="5400000">
+                <a:pos x="wd2" y="hd2"/>
+              </a:cxn>
+              <a:cxn ang="10800000">
+                <a:pos x="wd2" y="hd2"/>
+              </a:cxn>
+              <a:cxn ang="16200000">
+                <a:pos x="wd2" y="hd2"/>
+              </a:cxn>
+            </a:cxnLst>
+            <a:rect l="0" t="0" r="r" b="b"/>
+            <a:pathLst>
+              <a:path w="21600" h="21600" fill="norm" stroke="1" extrusionOk="0">
+                <a:moveTo>
+                  <a:pt x="0" y="0"/>
+                </a:moveTo>
+                <a:cubicBezTo>
+                  <a:pt x="7200" y="7200"/>
+                  <a:pt x="14400" y="14400"/>
+                  <a:pt x="21600" y="21600"/>
+                </a:cubicBezTo>
+              </a:path>
+            </a:pathLst>
+          </a:custGeom>
+          <a:ln w="12700">
+            <a:solidFill>
+              <a:srgbClr val="000000"/>
+            </a:solidFill>
+            <a:custDash>
+              <a:ds d="200000" sp="200000"/>
+            </a:custDash>
+            <a:miter lim="400000"/>
+            <a:tailEnd type="triangle"/>
+          </a:ln>
+        </p:spPr>
+        <p:txBody>
+          <a:bodyPr/>
+          <a:lstStyle/>
+          <a:p>
+            <a:pPr/>
+          </a:p>
+        </p:txBody>
+      </p:sp>
+      <p:sp>
+        <p:nvSpPr>
+          <p:cNvPr id="165" name="Connection Line"/>
+          <p:cNvSpPr/>
+          <p:nvPr/>
+        </p:nvSpPr>
+        <p:spPr>
+          <a:xfrm>
+            <a:off x="6466658" y="3789189"/>
+            <a:ext cx="2467054" cy="153986"/>
           </a:xfrm>
           <a:custGeom>
             <a:avLst/>
@@ -5119,200 +5305,14 @@
       </p:sp>
       <p:sp>
         <p:nvSpPr>
-          <p:cNvPr id="162" name="Connection Line"/>
+          <p:cNvPr id="166" name="Connection Line"/>
           <p:cNvSpPr/>
           <p:nvPr/>
         </p:nvSpPr>
         <p:spPr>
           <a:xfrm>
-            <a:off x="2474096" y="3807062"/>
-            <a:ext cx="3099199" cy="475009"/>
-          </a:xfrm>
-          <a:custGeom>
-            <a:avLst/>
-            <a:gdLst/>
-            <a:ahLst/>
-            <a:cxnLst>
-              <a:cxn ang="0">
-                <a:pos x="wd2" y="hd2"/>
-              </a:cxn>
-              <a:cxn ang="5400000">
-                <a:pos x="wd2" y="hd2"/>
-              </a:cxn>
-              <a:cxn ang="10800000">
-                <a:pos x="wd2" y="hd2"/>
-              </a:cxn>
-              <a:cxn ang="16200000">
-                <a:pos x="wd2" y="hd2"/>
-              </a:cxn>
-            </a:cxnLst>
-            <a:rect l="0" t="0" r="r" b="b"/>
-            <a:pathLst>
-              <a:path w="21600" h="21600" fill="norm" stroke="1" extrusionOk="0">
-                <a:moveTo>
-                  <a:pt x="0" y="0"/>
-                </a:moveTo>
-                <a:cubicBezTo>
-                  <a:pt x="7200" y="7200"/>
-                  <a:pt x="14400" y="14400"/>
-                  <a:pt x="21600" y="21600"/>
-                </a:cubicBezTo>
-              </a:path>
-            </a:pathLst>
-          </a:custGeom>
-          <a:ln w="12700">
-            <a:solidFill>
-              <a:srgbClr val="000000"/>
-            </a:solidFill>
-            <a:custDash>
-              <a:ds d="200000" sp="200000"/>
-            </a:custDash>
-            <a:miter lim="400000"/>
-            <a:tailEnd type="triangle"/>
-          </a:ln>
-        </p:spPr>
-        <p:txBody>
-          <a:bodyPr/>
-          <a:lstStyle/>
-          <a:p>
-            <a:pPr/>
-          </a:p>
-        </p:txBody>
-      </p:sp>
-      <p:sp>
-        <p:nvSpPr>
-          <p:cNvPr id="163" name="Connection Line"/>
-          <p:cNvSpPr/>
-          <p:nvPr/>
-        </p:nvSpPr>
-        <p:spPr>
-          <a:xfrm>
-            <a:off x="6316410" y="3134115"/>
-            <a:ext cx="2617301" cy="576993"/>
-          </a:xfrm>
-          <a:custGeom>
-            <a:avLst/>
-            <a:gdLst/>
-            <a:ahLst/>
-            <a:cxnLst>
-              <a:cxn ang="0">
-                <a:pos x="wd2" y="hd2"/>
-              </a:cxn>
-              <a:cxn ang="5400000">
-                <a:pos x="wd2" y="hd2"/>
-              </a:cxn>
-              <a:cxn ang="10800000">
-                <a:pos x="wd2" y="hd2"/>
-              </a:cxn>
-              <a:cxn ang="16200000">
-                <a:pos x="wd2" y="hd2"/>
-              </a:cxn>
-            </a:cxnLst>
-            <a:rect l="0" t="0" r="r" b="b"/>
-            <a:pathLst>
-              <a:path w="21600" h="21600" fill="norm" stroke="1" extrusionOk="0">
-                <a:moveTo>
-                  <a:pt x="0" y="0"/>
-                </a:moveTo>
-                <a:cubicBezTo>
-                  <a:pt x="7200" y="7200"/>
-                  <a:pt x="14400" y="14400"/>
-                  <a:pt x="21600" y="21600"/>
-                </a:cubicBezTo>
-              </a:path>
-            </a:pathLst>
-          </a:custGeom>
-          <a:ln w="12700">
-            <a:solidFill>
-              <a:srgbClr val="000000"/>
-            </a:solidFill>
-            <a:custDash>
-              <a:ds d="200000" sp="200000"/>
-            </a:custDash>
-            <a:miter lim="400000"/>
-            <a:tailEnd type="triangle"/>
-          </a:ln>
-        </p:spPr>
-        <p:txBody>
-          <a:bodyPr/>
-          <a:lstStyle/>
-          <a:p>
-            <a:pPr/>
-          </a:p>
-        </p:txBody>
-      </p:sp>
-      <p:sp>
-        <p:nvSpPr>
-          <p:cNvPr id="164" name="Connection Line"/>
-          <p:cNvSpPr/>
-          <p:nvPr/>
-        </p:nvSpPr>
-        <p:spPr>
-          <a:xfrm>
-            <a:off x="6400070" y="3771959"/>
-            <a:ext cx="2533641" cy="2"/>
-          </a:xfrm>
-          <a:custGeom>
-            <a:avLst/>
-            <a:gdLst/>
-            <a:ahLst/>
-            <a:cxnLst>
-              <a:cxn ang="0">
-                <a:pos x="wd2" y="hd2"/>
-              </a:cxn>
-              <a:cxn ang="5400000">
-                <a:pos x="wd2" y="hd2"/>
-              </a:cxn>
-              <a:cxn ang="10800000">
-                <a:pos x="wd2" y="hd2"/>
-              </a:cxn>
-              <a:cxn ang="16200000">
-                <a:pos x="wd2" y="hd2"/>
-              </a:cxn>
-            </a:cxnLst>
-            <a:rect l="0" t="0" r="r" b="b"/>
-            <a:pathLst>
-              <a:path w="21600" h="21600" fill="norm" stroke="1" extrusionOk="0">
-                <a:moveTo>
-                  <a:pt x="0" y="0"/>
-                </a:moveTo>
-                <a:cubicBezTo>
-                  <a:pt x="7200" y="7200"/>
-                  <a:pt x="14400" y="14400"/>
-                  <a:pt x="21600" y="21600"/>
-                </a:cubicBezTo>
-              </a:path>
-            </a:pathLst>
-          </a:custGeom>
-          <a:ln w="12700">
-            <a:solidFill>
-              <a:srgbClr val="000000"/>
-            </a:solidFill>
-            <a:custDash>
-              <a:ds d="200000" sp="200000"/>
-            </a:custDash>
-            <a:miter lim="400000"/>
-            <a:tailEnd type="triangle"/>
-          </a:ln>
-        </p:spPr>
-        <p:txBody>
-          <a:bodyPr/>
-          <a:lstStyle/>
-          <a:p>
-            <a:pPr/>
-          </a:p>
-        </p:txBody>
-      </p:sp>
-      <p:sp>
-        <p:nvSpPr>
-          <p:cNvPr id="165" name="Connection Line"/>
-          <p:cNvSpPr/>
-          <p:nvPr/>
-        </p:nvSpPr>
-        <p:spPr>
-          <a:xfrm>
-            <a:off x="6550646" y="3823261"/>
-            <a:ext cx="2383065" cy="442889"/>
+            <a:off x="6617234" y="3841599"/>
+            <a:ext cx="2316478" cy="584405"/>
           </a:xfrm>
           <a:custGeom>
             <a:avLst/>
@@ -5362,6 +5362,51 @@
           <a:lstStyle/>
           <a:p>
             <a:pPr/>
+          </a:p>
+        </p:txBody>
+      </p:sp>
+      <p:sp>
+        <p:nvSpPr>
+          <p:cNvPr id="160" name="OpenMP/CUDA for BLAS"/>
+          <p:cNvSpPr/>
+          <p:nvPr/>
+        </p:nvSpPr>
+        <p:spPr>
+          <a:xfrm>
+            <a:off x="4894944" y="2898956"/>
+            <a:ext cx="2515712" cy="358139"/>
+          </a:xfrm>
+          <a:prstGeom prst="rect">
+            <a:avLst/>
+          </a:prstGeom>
+          <a:ln w="12700">
+            <a:miter lim="400000"/>
+          </a:ln>
+          <a:extLst>
+            <a:ext uri="{C572A759-6A51-4108-AA02-DFA0A04FC94B}">
+              <ma14:wrappingTextBoxFlag xmlns:ma14="http://schemas.microsoft.com/office/mac/drawingml/2011/main" val="1"/>
+            </a:ext>
+          </a:extLst>
+        </p:spPr>
+        <p:txBody>
+          <a:bodyPr wrap="none" lIns="45718" tIns="45718" rIns="45718" bIns="45718">
+            <a:spAutoFit/>
+          </a:bodyPr>
+          <a:lstStyle>
+            <a:lvl1pPr>
+              <a:defRPr>
+                <a:latin typeface="+mn-lt"/>
+                <a:ea typeface="+mn-ea"/>
+                <a:cs typeface="+mn-cs"/>
+                <a:sym typeface="Calibri"/>
+              </a:defRPr>
+            </a:lvl1pPr>
+          </a:lstStyle>
+          <a:p>
+            <a:pPr/>
+            <a:r>
+              <a:t>OpenMP/CUDA for BLAS</a:t>
+            </a:r>
           </a:p>
         </p:txBody>
       </p:sp>

--- a/other/flow chart_2.pptx
+++ b/other/flow chart_2.pptx
@@ -3071,126 +3071,16 @@
           </p:txBody>
         </p:sp>
       </p:grpSp>
-      <p:grpSp>
-        <p:nvGrpSpPr>
-          <p:cNvPr id="117" name="Rectangle 85"/>
-          <p:cNvGrpSpPr/>
-          <p:nvPr/>
-        </p:nvGrpSpPr>
-        <p:grpSpPr>
-          <a:xfrm>
-            <a:off x="4134196" y="5164974"/>
-            <a:ext cx="3912526" cy="451722"/>
-            <a:chOff x="0" y="-1"/>
-            <a:chExt cx="3912525" cy="451721"/>
-          </a:xfrm>
-        </p:grpSpPr>
-        <p:sp>
-          <p:nvSpPr>
-            <p:cNvPr id="115" name="Rectangle"/>
-            <p:cNvSpPr/>
-            <p:nvPr/>
-          </p:nvSpPr>
-          <p:spPr>
-            <a:xfrm>
-              <a:off x="-1" y="-2"/>
-              <a:ext cx="3912527" cy="451722"/>
-            </a:xfrm>
-            <a:prstGeom prst="rect">
-              <a:avLst/>
-            </a:prstGeom>
-            <a:blipFill rotWithShape="1">
-              <a:blip r:embed="rId3"/>
-              <a:srcRect l="0" t="0" r="0" b="0"/>
-              <a:stretch>
-                <a:fillRect/>
-              </a:stretch>
-            </a:blipFill>
-            <a:ln w="9525" cap="flat">
-              <a:solidFill>
-                <a:srgbClr val="000000"/>
-              </a:solidFill>
-              <a:prstDash val="solid"/>
-              <a:round/>
-            </a:ln>
-            <a:effectLst/>
-          </p:spPr>
-          <p:txBody>
-            <a:bodyPr wrap="square" lIns="45718" tIns="45718" rIns="45718" bIns="45718" numCol="1" anchor="t">
-              <a:noAutofit/>
-            </a:bodyPr>
-            <a:lstStyle/>
-            <a:p>
-              <a:pPr>
-                <a:defRPr>
-                  <a:latin typeface="+mn-lt"/>
-                  <a:ea typeface="+mn-ea"/>
-                  <a:cs typeface="+mn-cs"/>
-                  <a:sym typeface="Calibri"/>
-                </a:defRPr>
-              </a:pPr>
-            </a:p>
-          </p:txBody>
-        </p:sp>
-        <p:sp>
-          <p:nvSpPr>
-            <p:cNvPr id="116" name="Text"/>
-            <p:cNvSpPr/>
-            <p:nvPr/>
-          </p:nvSpPr>
-          <p:spPr>
-            <a:xfrm>
-              <a:off x="-1" y="-2"/>
-              <a:ext cx="3912527" cy="358139"/>
-            </a:xfrm>
-            <a:prstGeom prst="rect">
-              <a:avLst/>
-            </a:prstGeom>
-            <a:noFill/>
-            <a:ln w="12700" cap="flat">
-              <a:noFill/>
-              <a:miter lim="400000"/>
-            </a:ln>
-            <a:effectLst/>
-            <a:extLst>
-              <a:ext uri="{C572A759-6A51-4108-AA02-DFA0A04FC94B}">
-                <ma14:wrappingTextBoxFlag xmlns:ma14="http://schemas.microsoft.com/office/mac/drawingml/2011/main" val="1"/>
-              </a:ext>
-            </a:extLst>
-          </p:spPr>
-          <p:txBody>
-            <a:bodyPr wrap="square" lIns="45718" tIns="45718" rIns="45718" bIns="45718" numCol="1" anchor="t">
-              <a:spAutoFit/>
-            </a:bodyPr>
-            <a:lstStyle>
-              <a:lvl1pPr>
-                <a:defRPr>
-                  <a:latin typeface="+mn-lt"/>
-                  <a:ea typeface="+mn-ea"/>
-                  <a:cs typeface="+mn-cs"/>
-                  <a:sym typeface="Calibri"/>
-                </a:defRPr>
-              </a:lvl1pPr>
-            </a:lstStyle>
-            <a:p>
-              <a:pPr/>
-              <a:r>
-                <a:t> </a:t>
-              </a:r>
-            </a:p>
-          </p:txBody>
-        </p:sp>
-      </p:grpSp>
       <p:sp>
         <p:nvSpPr>
-          <p:cNvPr id="118" name="Connector: Elbow 87"/>
+          <p:cNvPr id="115" name="Connector: Elbow 87"/>
           <p:cNvSpPr/>
           <p:nvPr/>
         </p:nvSpPr>
         <p:spPr>
           <a:xfrm rot="5400000">
-            <a:off x="7907900" y="4075499"/>
-            <a:ext cx="1454156" cy="1176517"/>
+            <a:off x="7937149" y="4104749"/>
+            <a:ext cx="1454157" cy="1118018"/>
           </a:xfrm>
           <a:custGeom>
             <a:avLst/>
@@ -3250,7 +3140,7 @@
       </p:sp>
       <p:grpSp>
         <p:nvGrpSpPr>
-          <p:cNvPr id="121" name="Rectangle 88"/>
+          <p:cNvPr id="118" name="Rectangle 88"/>
           <p:cNvGrpSpPr/>
           <p:nvPr/>
         </p:nvGrpSpPr>
@@ -3264,7 +3154,7 @@
         </p:grpSpPr>
         <p:sp>
           <p:nvSpPr>
-            <p:cNvPr id="119" name="Rectangle"/>
+            <p:cNvPr id="116" name="Rectangle"/>
             <p:cNvSpPr/>
             <p:nvPr/>
           </p:nvSpPr>
@@ -3277,7 +3167,7 @@
               <a:avLst/>
             </a:prstGeom>
             <a:blipFill rotWithShape="1">
-              <a:blip r:embed="rId4"/>
+              <a:blip r:embed="rId3"/>
               <a:srcRect l="0" t="0" r="0" b="0"/>
               <a:stretch>
                 <a:fillRect/>
@@ -3308,7 +3198,7 @@
         </p:sp>
         <p:sp>
           <p:nvSpPr>
-            <p:cNvPr id="120" name="Text"/>
+            <p:cNvPr id="117" name="Text"/>
             <p:cNvSpPr/>
             <p:nvPr/>
           </p:nvSpPr>
@@ -3357,7 +3247,7 @@
       </p:grpSp>
       <p:sp>
         <p:nvSpPr>
-          <p:cNvPr id="122" name="Connector: Elbow 90"/>
+          <p:cNvPr id="119" name="Connector: Elbow 90"/>
           <p:cNvSpPr/>
           <p:nvPr/>
         </p:nvSpPr>
@@ -3424,21 +3314,21 @@
       </p:sp>
       <p:grpSp>
         <p:nvGrpSpPr>
-          <p:cNvPr id="125" name="Rectangle 91"/>
+          <p:cNvPr id="122" name="Rectangle 91"/>
           <p:cNvGrpSpPr/>
           <p:nvPr/>
         </p:nvGrpSpPr>
         <p:grpSpPr>
           <a:xfrm>
-            <a:off x="5166578" y="4794659"/>
-            <a:ext cx="1858844" cy="646333"/>
-            <a:chOff x="0" y="0"/>
-            <a:chExt cx="1858842" cy="646332"/>
+            <a:off x="5072788" y="5063482"/>
+            <a:ext cx="1978367" cy="779136"/>
+            <a:chOff x="0" y="-132803"/>
+            <a:chExt cx="1978365" cy="779135"/>
           </a:xfrm>
         </p:grpSpPr>
         <p:sp>
           <p:nvSpPr>
-            <p:cNvPr id="123" name="Rectangle"/>
+            <p:cNvPr id="120" name="Rectangle"/>
             <p:cNvSpPr/>
             <p:nvPr/>
           </p:nvSpPr>
@@ -3451,7 +3341,7 @@
               <a:avLst/>
             </a:prstGeom>
             <a:blipFill rotWithShape="1">
-              <a:blip r:embed="rId5"/>
+              <a:blip r:embed="rId4"/>
               <a:srcRect l="0" t="0" r="0" b="0"/>
               <a:stretch>
                 <a:fillRect/>
@@ -3482,13 +3372,13 @@
         </p:sp>
         <p:sp>
           <p:nvSpPr>
-            <p:cNvPr id="124" name="Text"/>
+            <p:cNvPr id="121" name="Text"/>
             <p:cNvSpPr/>
             <p:nvPr/>
           </p:nvSpPr>
           <p:spPr>
             <a:xfrm>
-              <a:off x="0" y="-1"/>
+              <a:off x="119523" y="-132804"/>
               <a:ext cx="1858843" cy="358139"/>
             </a:xfrm>
             <a:prstGeom prst="rect">
@@ -3531,14 +3421,14 @@
       </p:grpSp>
       <p:sp>
         <p:nvSpPr>
-          <p:cNvPr id="126" name="Rectangle 92"/>
+          <p:cNvPr id="123" name="Rectangle 92"/>
           <p:cNvSpPr/>
           <p:nvPr/>
         </p:nvSpPr>
         <p:spPr>
           <a:xfrm>
-            <a:off x="1684712" y="2744705"/>
-            <a:ext cx="8473442" cy="2054511"/>
+            <a:off x="1684712" y="3146820"/>
+            <a:ext cx="8473442" cy="1061567"/>
           </a:xfrm>
           <a:prstGeom prst="rect">
             <a:avLst/>
@@ -3572,13 +3462,13 @@
       </p:sp>
       <p:sp>
         <p:nvSpPr>
-          <p:cNvPr id="127" name="TextBox 93"/>
+          <p:cNvPr id="124" name="TextBox 93"/>
           <p:cNvSpPr/>
           <p:nvPr/>
         </p:nvSpPr>
         <p:spPr>
           <a:xfrm>
-            <a:off x="1828918" y="2854505"/>
+            <a:off x="1702297" y="3205479"/>
             <a:ext cx="1085556" cy="447039"/>
           </a:xfrm>
           <a:prstGeom prst="rect">
@@ -3620,7 +3510,7 @@
       </p:sp>
       <p:grpSp>
         <p:nvGrpSpPr>
-          <p:cNvPr id="130" name="Rectangle 94"/>
+          <p:cNvPr id="127" name="Rectangle 94"/>
           <p:cNvGrpSpPr/>
           <p:nvPr/>
         </p:nvGrpSpPr>
@@ -3634,7 +3524,7 @@
         </p:grpSpPr>
         <p:sp>
           <p:nvSpPr>
-            <p:cNvPr id="128" name="Rectangle"/>
+            <p:cNvPr id="125" name="Rectangle"/>
             <p:cNvSpPr/>
             <p:nvPr/>
           </p:nvSpPr>
@@ -3677,7 +3567,7 @@
         </p:sp>
         <p:sp>
           <p:nvSpPr>
-            <p:cNvPr id="129" name="Node 2"/>
+            <p:cNvPr id="126" name="Node 2"/>
             <p:cNvSpPr/>
             <p:nvPr/>
           </p:nvSpPr>
@@ -3726,7 +3616,7 @@
       </p:grpSp>
       <p:grpSp>
         <p:nvGrpSpPr>
-          <p:cNvPr id="133" name="Rectangle 95"/>
+          <p:cNvPr id="130" name="Rectangle 95"/>
           <p:cNvGrpSpPr/>
           <p:nvPr/>
         </p:nvGrpSpPr>
@@ -3740,7 +3630,7 @@
         </p:grpSpPr>
         <p:sp>
           <p:nvSpPr>
-            <p:cNvPr id="131" name="Rectangle"/>
+            <p:cNvPr id="128" name="Rectangle"/>
             <p:cNvSpPr/>
             <p:nvPr/>
           </p:nvSpPr>
@@ -3783,7 +3673,7 @@
         </p:sp>
         <p:sp>
           <p:nvSpPr>
-            <p:cNvPr id="132" name="Node 3"/>
+            <p:cNvPr id="129" name="Node 3"/>
             <p:cNvSpPr/>
             <p:nvPr/>
           </p:nvSpPr>
@@ -3832,7 +3722,7 @@
       </p:grpSp>
       <p:grpSp>
         <p:nvGrpSpPr>
-          <p:cNvPr id="136" name="Rectangle 96"/>
+          <p:cNvPr id="133" name="Rectangle 96"/>
           <p:cNvGrpSpPr/>
           <p:nvPr/>
         </p:nvGrpSpPr>
@@ -3846,7 +3736,7 @@
         </p:grpSpPr>
         <p:sp>
           <p:nvSpPr>
-            <p:cNvPr id="134" name="Rectangle"/>
+            <p:cNvPr id="131" name="Rectangle"/>
             <p:cNvSpPr/>
             <p:nvPr/>
           </p:nvSpPr>
@@ -3889,7 +3779,7 @@
         </p:sp>
         <p:sp>
           <p:nvSpPr>
-            <p:cNvPr id="135" name="Node 6"/>
+            <p:cNvPr id="132" name="Node 6"/>
             <p:cNvSpPr/>
             <p:nvPr/>
           </p:nvSpPr>
@@ -3938,7 +3828,7 @@
       </p:grpSp>
       <p:grpSp>
         <p:nvGrpSpPr>
-          <p:cNvPr id="139" name="Rectangle 97"/>
+          <p:cNvPr id="136" name="Rectangle 97"/>
           <p:cNvGrpSpPr/>
           <p:nvPr/>
         </p:nvGrpSpPr>
@@ -3952,7 +3842,7 @@
         </p:grpSpPr>
         <p:sp>
           <p:nvSpPr>
-            <p:cNvPr id="137" name="Rectangle"/>
+            <p:cNvPr id="134" name="Rectangle"/>
             <p:cNvSpPr/>
             <p:nvPr/>
           </p:nvSpPr>
@@ -3995,7 +3885,7 @@
         </p:sp>
         <p:sp>
           <p:nvSpPr>
-            <p:cNvPr id="138" name="Node 7"/>
+            <p:cNvPr id="135" name="Node 7"/>
             <p:cNvSpPr/>
             <p:nvPr/>
           </p:nvSpPr>
@@ -4044,7 +3934,7 @@
       </p:grpSp>
       <p:sp>
         <p:nvSpPr>
-          <p:cNvPr id="140" name="TextBox 122"/>
+          <p:cNvPr id="137" name="TextBox 122"/>
           <p:cNvSpPr/>
           <p:nvPr/>
         </p:nvSpPr>
@@ -4089,7 +3979,7 @@
       </p:sp>
       <p:sp>
         <p:nvSpPr>
-          <p:cNvPr id="141" name="Arrow: Up-Down 129"/>
+          <p:cNvPr id="138" name="Arrow: Up-Down 129"/>
           <p:cNvSpPr/>
           <p:nvPr/>
         </p:nvSpPr>
@@ -4183,7 +4073,7 @@
       </p:sp>
       <p:sp>
         <p:nvSpPr>
-          <p:cNvPr id="142" name="Arrow: Up-Down 130"/>
+          <p:cNvPr id="139" name="Arrow: Up-Down 130"/>
           <p:cNvSpPr/>
           <p:nvPr/>
         </p:nvSpPr>
@@ -4277,7 +4167,7 @@
       </p:sp>
       <p:sp>
         <p:nvSpPr>
-          <p:cNvPr id="143" name="Arrow: Up-Down 131"/>
+          <p:cNvPr id="140" name="Arrow: Up-Down 131"/>
           <p:cNvSpPr/>
           <p:nvPr/>
         </p:nvSpPr>
@@ -4371,7 +4261,7 @@
       </p:sp>
       <p:sp>
         <p:nvSpPr>
-          <p:cNvPr id="144" name="Arrow: Up-Down 132"/>
+          <p:cNvPr id="141" name="Arrow: Up-Down 132"/>
           <p:cNvSpPr/>
           <p:nvPr/>
         </p:nvSpPr>
@@ -4465,7 +4355,7 @@
       </p:sp>
       <p:grpSp>
         <p:nvGrpSpPr>
-          <p:cNvPr id="148" name="Arrow: Curved Up 133"/>
+          <p:cNvPr id="145" name="Arrow: Curved Up 133"/>
           <p:cNvGrpSpPr/>
           <p:nvPr/>
         </p:nvGrpSpPr>
@@ -4479,7 +4369,7 @@
         </p:grpSpPr>
         <p:sp>
           <p:nvSpPr>
-            <p:cNvPr id="145" name="Shape"/>
+            <p:cNvPr id="142" name="Shape"/>
             <p:cNvSpPr/>
             <p:nvPr/>
           </p:nvSpPr>
@@ -4580,7 +4470,7 @@
         </p:sp>
         <p:sp>
           <p:nvSpPr>
-            <p:cNvPr id="146" name="Shape"/>
+            <p:cNvPr id="143" name="Shape"/>
             <p:cNvSpPr/>
             <p:nvPr/>
           </p:nvSpPr>
@@ -4660,7 +4550,7 @@
         </p:sp>
         <p:sp>
           <p:nvSpPr>
-            <p:cNvPr id="147" name="Line"/>
+            <p:cNvPr id="144" name="Line"/>
             <p:cNvSpPr/>
             <p:nvPr/>
           </p:nvSpPr>
@@ -4764,14 +4654,14 @@
       </p:grpSp>
       <p:sp>
         <p:nvSpPr>
-          <p:cNvPr id="149" name="SGD"/>
+          <p:cNvPr id="146" name="Backpropagation…"/>
           <p:cNvSpPr/>
           <p:nvPr/>
         </p:nvSpPr>
         <p:spPr>
           <a:xfrm>
-            <a:off x="5874119" y="3200198"/>
-            <a:ext cx="508877" cy="358139"/>
+            <a:off x="4894944" y="3365184"/>
+            <a:ext cx="2515712" cy="624839"/>
           </a:xfrm>
           <a:prstGeom prst="rect">
             <a:avLst/>
@@ -4789,34 +4679,45 @@
           <a:bodyPr wrap="none" lIns="45718" tIns="45718" rIns="45718" bIns="45718">
             <a:spAutoFit/>
           </a:bodyPr>
-          <a:lstStyle>
-            <a:lvl1pPr>
+          <a:lstStyle/>
+          <a:p>
+            <a:pPr algn="ctr">
               <a:defRPr>
                 <a:latin typeface="+mn-lt"/>
                 <a:ea typeface="+mn-ea"/>
                 <a:cs typeface="+mn-cs"/>
                 <a:sym typeface="Calibri"/>
               </a:defRPr>
-            </a:lvl1pPr>
-          </a:lstStyle>
-          <a:p>
-            <a:pPr/>
-            <a:r>
-              <a:t>SGD</a:t>
+            </a:pPr>
+            <a:r>
+              <a:t>Backpropagation</a:t>
+            </a:r>
+          </a:p>
+          <a:p>
+            <a:pPr algn="ctr">
+              <a:defRPr>
+                <a:latin typeface="+mn-lt"/>
+                <a:ea typeface="+mn-ea"/>
+                <a:cs typeface="+mn-cs"/>
+                <a:sym typeface="Calibri"/>
+              </a:defRPr>
+            </a:pPr>
+            <a:r>
+              <a:t>OpenMP/CUDA for BLAS</a:t>
             </a:r>
           </a:p>
         </p:txBody>
       </p:sp>
       <p:sp>
         <p:nvSpPr>
-          <p:cNvPr id="150" name="Adam"/>
+          <p:cNvPr id="147" name="SGD"/>
           <p:cNvSpPr/>
           <p:nvPr/>
         </p:nvSpPr>
         <p:spPr>
           <a:xfrm>
-            <a:off x="5790459" y="3785208"/>
-            <a:ext cx="676198" cy="358139"/>
+            <a:off x="4205070" y="4759935"/>
+            <a:ext cx="3895461" cy="358139"/>
           </a:xfrm>
           <a:prstGeom prst="rect">
             <a:avLst/>
@@ -4834,579 +4735,183 @@
           <a:bodyPr wrap="none" lIns="45718" tIns="45718" rIns="45718" bIns="45718">
             <a:spAutoFit/>
           </a:bodyPr>
-          <a:lstStyle>
-            <a:lvl1pPr>
+          <a:lstStyle/>
+          <a:p>
+            <a:pPr>
               <a:defRPr>
                 <a:latin typeface="+mn-lt"/>
                 <a:ea typeface="+mn-ea"/>
                 <a:cs typeface="+mn-cs"/>
                 <a:sym typeface="Calibri"/>
               </a:defRPr>
-            </a:lvl1pPr>
-          </a:lstStyle>
-          <a:p>
-            <a:pPr/>
-            <a:r>
+            </a:pPr>
+            <a:r>
+              <a:rPr>
+                <a:solidFill>
+                  <a:schemeClr val="accent5">
+                    <a:satOff val="-19091"/>
+                    <a:lumOff val="-11921"/>
+                  </a:schemeClr>
+                </a:solidFill>
+              </a:rPr>
+              <a:t>SGD</a:t>
+            </a:r>
+            <a:r>
+              <a:t>, </a:t>
+            </a:r>
+            <a:r>
+              <a:rPr>
+                <a:solidFill>
+                  <a:schemeClr val="accent5">
+                    <a:satOff val="-19091"/>
+                    <a:lumOff val="-11921"/>
+                  </a:schemeClr>
+                </a:solidFill>
+              </a:rPr>
               <a:t>Adam</a:t>
+            </a:r>
+            <a:r>
+              <a:t>, </a:t>
+            </a:r>
+            <a:r>
+              <a:rPr>
+                <a:solidFill>
+                  <a:schemeClr val="accent5">
+                    <a:satOff val="-19091"/>
+                    <a:lumOff val="-11921"/>
+                  </a:schemeClr>
+                </a:solidFill>
+              </a:rPr>
+              <a:t>AdaGrad</a:t>
+            </a:r>
+            <a:r>
+              <a:t> or </a:t>
+            </a:r>
+            <a:r>
+              <a:rPr>
+                <a:solidFill>
+                  <a:schemeClr val="accent5">
+                    <a:satOff val="-19091"/>
+                    <a:lumOff val="-11921"/>
+                  </a:schemeClr>
+                </a:solidFill>
+              </a:rPr>
+              <a:t>Hessian-Free</a:t>
             </a:r>
           </a:p>
         </p:txBody>
       </p:sp>
+      <p:grpSp>
+        <p:nvGrpSpPr>
+          <p:cNvPr id="150" name="Group"/>
+          <p:cNvGrpSpPr/>
+          <p:nvPr/>
+        </p:nvGrpSpPr>
+        <p:grpSpPr>
+          <a:xfrm>
+            <a:off x="5163617" y="4385654"/>
+            <a:ext cx="1978366" cy="370839"/>
+            <a:chOff x="0" y="0"/>
+            <a:chExt cx="1978365" cy="370838"/>
+          </a:xfrm>
+        </p:grpSpPr>
+        <p:sp>
+          <p:nvSpPr>
+            <p:cNvPr id="148" name="Node 0: Host (     )"/>
+            <p:cNvSpPr/>
+            <p:nvPr/>
+          </p:nvSpPr>
+          <p:spPr>
+            <a:xfrm>
+              <a:off x="0" y="0"/>
+              <a:ext cx="1978366" cy="370838"/>
+            </a:xfrm>
+            <a:prstGeom prst="rect">
+              <a:avLst/>
+            </a:prstGeom>
+            <a:noFill/>
+            <a:ln w="12700" cap="flat">
+              <a:noFill/>
+              <a:miter lim="400000"/>
+            </a:ln>
+            <a:effectLst/>
+            <a:extLst>
+              <a:ext uri="{C572A759-6A51-4108-AA02-DFA0A04FC94B}">
+                <ma14:wrappingTextBoxFlag xmlns:ma14="http://schemas.microsoft.com/office/mac/drawingml/2011/main" val="1"/>
+              </a:ext>
+            </a:extLst>
+          </p:spPr>
+          <p:txBody>
+            <a:bodyPr wrap="square" lIns="45718" tIns="45718" rIns="45718" bIns="45718" numCol="1" anchor="t">
+              <a:spAutoFit/>
+            </a:bodyPr>
+            <a:lstStyle/>
+            <a:p>
+              <a:pPr/>
+              <a:r>
+                <a:t>Node 0: Host (     )</a:t>
+              </a:r>
+            </a:p>
+          </p:txBody>
+        </p:sp>
+        <p:pic>
+          <p:nvPicPr>
+            <p:cNvPr id="149" name="Screen Shot 2017-04-30 at 1.10.12 PM.png" descr="Screen Shot 2017-04-30 at 1.10.12 PM.png"/>
+            <p:cNvPicPr>
+              <a:picLocks noChangeAspect="1"/>
+            </p:cNvPicPr>
+            <p:nvPr/>
+          </p:nvPicPr>
+          <p:blipFill>
+            <a:blip r:embed="rId5">
+              <a:extLst/>
+            </a:blip>
+            <a:stretch>
+              <a:fillRect/>
+            </a:stretch>
+          </p:blipFill>
+          <p:spPr>
+            <a:xfrm>
+              <a:off x="1520528" y="53338"/>
+              <a:ext cx="330201" cy="317501"/>
+            </a:xfrm>
+            <a:prstGeom prst="rect">
+              <a:avLst/>
+            </a:prstGeom>
+            <a:ln w="12700" cap="flat">
+              <a:noFill/>
+              <a:miter lim="400000"/>
+            </a:ln>
+            <a:effectLst/>
+          </p:spPr>
+        </p:pic>
+      </p:grpSp>
       <p:sp>
         <p:nvSpPr>
-          <p:cNvPr id="151" name="AdaGrad"/>
+          <p:cNvPr id="151" name="Rectangle"/>
           <p:cNvSpPr/>
           <p:nvPr/>
         </p:nvSpPr>
         <p:spPr>
           <a:xfrm>
-            <a:off x="5639882" y="4370218"/>
-            <a:ext cx="977351" cy="358139"/>
+            <a:off x="4147746" y="4304004"/>
+            <a:ext cx="3938497" cy="1270001"/>
           </a:xfrm>
           <a:prstGeom prst="rect">
             <a:avLst/>
           </a:prstGeom>
           <a:ln w="12700">
+            <a:solidFill>
+              <a:srgbClr val="000000"/>
+            </a:solidFill>
             <a:miter lim="400000"/>
-          </a:ln>
-          <a:extLst>
-            <a:ext uri="{C572A759-6A51-4108-AA02-DFA0A04FC94B}">
-              <ma14:wrappingTextBoxFlag xmlns:ma14="http://schemas.microsoft.com/office/mac/drawingml/2011/main" val="1"/>
-            </a:ext>
-          </a:extLst>
-        </p:spPr>
-        <p:txBody>
-          <a:bodyPr wrap="none" lIns="45718" tIns="45718" rIns="45718" bIns="45718">
-            <a:spAutoFit/>
-          </a:bodyPr>
-          <a:lstStyle>
-            <a:lvl1pPr>
-              <a:defRPr>
-                <a:latin typeface="+mn-lt"/>
-                <a:ea typeface="+mn-ea"/>
-                <a:cs typeface="+mn-cs"/>
-                <a:sym typeface="Calibri"/>
-              </a:defRPr>
-            </a:lvl1pPr>
-          </a:lstStyle>
-          <a:p>
-            <a:pPr/>
-            <a:r>
-              <a:t>AdaGrad</a:t>
-            </a:r>
-          </a:p>
-        </p:txBody>
-      </p:sp>
-      <p:sp>
-        <p:nvSpPr>
-          <p:cNvPr id="152" name="or"/>
-          <p:cNvSpPr/>
-          <p:nvPr/>
-        </p:nvSpPr>
-        <p:spPr>
-          <a:xfrm>
-            <a:off x="5994230" y="4106944"/>
-            <a:ext cx="268656" cy="294639"/>
-          </a:xfrm>
-          <a:prstGeom prst="rect">
-            <a:avLst/>
-          </a:prstGeom>
-          <a:ln w="12700">
-            <a:miter lim="400000"/>
-          </a:ln>
-          <a:extLst>
-            <a:ext uri="{C572A759-6A51-4108-AA02-DFA0A04FC94B}">
-              <ma14:wrappingTextBoxFlag xmlns:ma14="http://schemas.microsoft.com/office/mac/drawingml/2011/main" val="1"/>
-            </a:ext>
-          </a:extLst>
-        </p:spPr>
-        <p:txBody>
-          <a:bodyPr wrap="none" lIns="45718" tIns="45718" rIns="45718" bIns="45718">
-            <a:spAutoFit/>
-          </a:bodyPr>
-          <a:lstStyle>
-            <a:lvl1pPr>
-              <a:defRPr sz="1400">
-                <a:solidFill>
-                  <a:srgbClr val="FF2600"/>
-                </a:solidFill>
-                <a:latin typeface="+mn-lt"/>
-                <a:ea typeface="+mn-ea"/>
-                <a:cs typeface="+mn-cs"/>
-                <a:sym typeface="Calibri"/>
-              </a:defRPr>
-            </a:lvl1pPr>
-          </a:lstStyle>
-          <a:p>
-            <a:pPr/>
-            <a:r>
-              <a:t>or</a:t>
-            </a:r>
-          </a:p>
-        </p:txBody>
-      </p:sp>
-      <p:sp>
-        <p:nvSpPr>
-          <p:cNvPr id="153" name="or"/>
-          <p:cNvSpPr/>
-          <p:nvPr/>
-        </p:nvSpPr>
-        <p:spPr>
-          <a:xfrm>
-            <a:off x="5994229" y="3572138"/>
-            <a:ext cx="268656" cy="294639"/>
-          </a:xfrm>
-          <a:prstGeom prst="rect">
-            <a:avLst/>
-          </a:prstGeom>
-          <a:ln w="12700">
-            <a:miter lim="400000"/>
-          </a:ln>
-          <a:extLst>
-            <a:ext uri="{C572A759-6A51-4108-AA02-DFA0A04FC94B}">
-              <ma14:wrappingTextBoxFlag xmlns:ma14="http://schemas.microsoft.com/office/mac/drawingml/2011/main" val="1"/>
-            </a:ext>
-          </a:extLst>
-        </p:spPr>
-        <p:txBody>
-          <a:bodyPr wrap="none" lIns="45718" tIns="45718" rIns="45718" bIns="45718">
-            <a:spAutoFit/>
-          </a:bodyPr>
-          <a:lstStyle>
-            <a:lvl1pPr>
-              <a:defRPr sz="1400">
-                <a:solidFill>
-                  <a:srgbClr val="FF2600"/>
-                </a:solidFill>
-                <a:latin typeface="+mn-lt"/>
-                <a:ea typeface="+mn-ea"/>
-                <a:cs typeface="+mn-cs"/>
-                <a:sym typeface="Calibri"/>
-              </a:defRPr>
-            </a:lvl1pPr>
-          </a:lstStyle>
-          <a:p>
-            <a:pPr/>
-            <a:r>
-              <a:t>or</a:t>
-            </a:r>
-          </a:p>
-        </p:txBody>
-      </p:sp>
-      <p:sp>
-        <p:nvSpPr>
-          <p:cNvPr id="161" name="Connection Line"/>
-          <p:cNvSpPr/>
-          <p:nvPr/>
-        </p:nvSpPr>
-        <p:spPr>
-          <a:xfrm>
-            <a:off x="2474096" y="3404996"/>
-            <a:ext cx="3400024" cy="343807"/>
-          </a:xfrm>
-          <a:custGeom>
-            <a:avLst/>
-            <a:gdLst/>
-            <a:ahLst/>
-            <a:cxnLst>
-              <a:cxn ang="0">
-                <a:pos x="wd2" y="hd2"/>
-              </a:cxn>
-              <a:cxn ang="5400000">
-                <a:pos x="wd2" y="hd2"/>
-              </a:cxn>
-              <a:cxn ang="10800000">
-                <a:pos x="wd2" y="hd2"/>
-              </a:cxn>
-              <a:cxn ang="16200000">
-                <a:pos x="wd2" y="hd2"/>
-              </a:cxn>
-            </a:cxnLst>
-            <a:rect l="0" t="0" r="r" b="b"/>
-            <a:pathLst>
-              <a:path w="21600" h="21600" fill="norm" stroke="1" extrusionOk="0">
-                <a:moveTo>
-                  <a:pt x="0" y="21600"/>
-                </a:moveTo>
-                <a:cubicBezTo>
-                  <a:pt x="7200" y="14400"/>
-                  <a:pt x="14400" y="7200"/>
-                  <a:pt x="21600" y="0"/>
-                </a:cubicBezTo>
-              </a:path>
-            </a:pathLst>
-          </a:custGeom>
-          <a:ln w="12700">
-            <a:solidFill>
-              <a:srgbClr val="000000"/>
-            </a:solidFill>
-            <a:custDash>
-              <a:ds d="200000" sp="200000"/>
-            </a:custDash>
-            <a:miter lim="400000"/>
-            <a:tailEnd type="triangle"/>
           </a:ln>
         </p:spPr>
         <p:txBody>
-          <a:bodyPr/>
+          <a:bodyPr lIns="45718" tIns="45718" rIns="45718" bIns="45718" anchor="ctr"/>
           <a:lstStyle/>
           <a:p>
             <a:pPr/>
-          </a:p>
-        </p:txBody>
-      </p:sp>
-      <p:sp>
-        <p:nvSpPr>
-          <p:cNvPr id="162" name="Connection Line"/>
-          <p:cNvSpPr/>
-          <p:nvPr/>
-        </p:nvSpPr>
-        <p:spPr>
-          <a:xfrm>
-            <a:off x="2474096" y="3783301"/>
-            <a:ext cx="3316364" cy="164234"/>
-          </a:xfrm>
-          <a:custGeom>
-            <a:avLst/>
-            <a:gdLst/>
-            <a:ahLst/>
-            <a:cxnLst>
-              <a:cxn ang="0">
-                <a:pos x="wd2" y="hd2"/>
-              </a:cxn>
-              <a:cxn ang="5400000">
-                <a:pos x="wd2" y="hd2"/>
-              </a:cxn>
-              <a:cxn ang="10800000">
-                <a:pos x="wd2" y="hd2"/>
-              </a:cxn>
-              <a:cxn ang="16200000">
-                <a:pos x="wd2" y="hd2"/>
-              </a:cxn>
-            </a:cxnLst>
-            <a:rect l="0" t="0" r="r" b="b"/>
-            <a:pathLst>
-              <a:path w="21600" h="21600" fill="norm" stroke="1" extrusionOk="0">
-                <a:moveTo>
-                  <a:pt x="0" y="0"/>
-                </a:moveTo>
-                <a:cubicBezTo>
-                  <a:pt x="7200" y="7200"/>
-                  <a:pt x="14400" y="14400"/>
-                  <a:pt x="21600" y="21600"/>
-                </a:cubicBezTo>
-              </a:path>
-            </a:pathLst>
-          </a:custGeom>
-          <a:ln w="12700">
-            <a:solidFill>
-              <a:srgbClr val="000000"/>
-            </a:solidFill>
-            <a:custDash>
-              <a:ds d="200000" sp="200000"/>
-            </a:custDash>
-            <a:miter lim="400000"/>
-            <a:tailEnd type="triangle"/>
-          </a:ln>
-        </p:spPr>
-        <p:txBody>
-          <a:bodyPr/>
-          <a:lstStyle/>
-          <a:p>
-            <a:pPr/>
-          </a:p>
-        </p:txBody>
-      </p:sp>
-      <p:sp>
-        <p:nvSpPr>
-          <p:cNvPr id="163" name="Connection Line"/>
-          <p:cNvSpPr/>
-          <p:nvPr/>
-        </p:nvSpPr>
-        <p:spPr>
-          <a:xfrm>
-            <a:off x="2474096" y="3817801"/>
-            <a:ext cx="3165787" cy="633672"/>
-          </a:xfrm>
-          <a:custGeom>
-            <a:avLst/>
-            <a:gdLst/>
-            <a:ahLst/>
-            <a:cxnLst>
-              <a:cxn ang="0">
-                <a:pos x="wd2" y="hd2"/>
-              </a:cxn>
-              <a:cxn ang="5400000">
-                <a:pos x="wd2" y="hd2"/>
-              </a:cxn>
-              <a:cxn ang="10800000">
-                <a:pos x="wd2" y="hd2"/>
-              </a:cxn>
-              <a:cxn ang="16200000">
-                <a:pos x="wd2" y="hd2"/>
-              </a:cxn>
-            </a:cxnLst>
-            <a:rect l="0" t="0" r="r" b="b"/>
-            <a:pathLst>
-              <a:path w="21600" h="21600" fill="norm" stroke="1" extrusionOk="0">
-                <a:moveTo>
-                  <a:pt x="0" y="0"/>
-                </a:moveTo>
-                <a:cubicBezTo>
-                  <a:pt x="7200" y="7200"/>
-                  <a:pt x="14400" y="14400"/>
-                  <a:pt x="21600" y="21600"/>
-                </a:cubicBezTo>
-              </a:path>
-            </a:pathLst>
-          </a:custGeom>
-          <a:ln w="12700">
-            <a:solidFill>
-              <a:srgbClr val="000000"/>
-            </a:solidFill>
-            <a:custDash>
-              <a:ds d="200000" sp="200000"/>
-            </a:custDash>
-            <a:miter lim="400000"/>
-            <a:tailEnd type="triangle"/>
-          </a:ln>
-        </p:spPr>
-        <p:txBody>
-          <a:bodyPr/>
-          <a:lstStyle/>
-          <a:p>
-            <a:pPr/>
-          </a:p>
-        </p:txBody>
-      </p:sp>
-      <p:sp>
-        <p:nvSpPr>
-          <p:cNvPr id="164" name="Connection Line"/>
-          <p:cNvSpPr/>
-          <p:nvPr/>
-        </p:nvSpPr>
-        <p:spPr>
-          <a:xfrm>
-            <a:off x="6382998" y="3411695"/>
-            <a:ext cx="2550714" cy="325085"/>
-          </a:xfrm>
-          <a:custGeom>
-            <a:avLst/>
-            <a:gdLst/>
-            <a:ahLst/>
-            <a:cxnLst>
-              <a:cxn ang="0">
-                <a:pos x="wd2" y="hd2"/>
-              </a:cxn>
-              <a:cxn ang="5400000">
-                <a:pos x="wd2" y="hd2"/>
-              </a:cxn>
-              <a:cxn ang="10800000">
-                <a:pos x="wd2" y="hd2"/>
-              </a:cxn>
-              <a:cxn ang="16200000">
-                <a:pos x="wd2" y="hd2"/>
-              </a:cxn>
-            </a:cxnLst>
-            <a:rect l="0" t="0" r="r" b="b"/>
-            <a:pathLst>
-              <a:path w="21600" h="21600" fill="norm" stroke="1" extrusionOk="0">
-                <a:moveTo>
-                  <a:pt x="0" y="0"/>
-                </a:moveTo>
-                <a:cubicBezTo>
-                  <a:pt x="7200" y="7200"/>
-                  <a:pt x="14400" y="14400"/>
-                  <a:pt x="21600" y="21600"/>
-                </a:cubicBezTo>
-              </a:path>
-            </a:pathLst>
-          </a:custGeom>
-          <a:ln w="12700">
-            <a:solidFill>
-              <a:srgbClr val="000000"/>
-            </a:solidFill>
-            <a:custDash>
-              <a:ds d="200000" sp="200000"/>
-            </a:custDash>
-            <a:miter lim="400000"/>
-            <a:tailEnd type="triangle"/>
-          </a:ln>
-        </p:spPr>
-        <p:txBody>
-          <a:bodyPr/>
-          <a:lstStyle/>
-          <a:p>
-            <a:pPr/>
-          </a:p>
-        </p:txBody>
-      </p:sp>
-      <p:sp>
-        <p:nvSpPr>
-          <p:cNvPr id="165" name="Connection Line"/>
-          <p:cNvSpPr/>
-          <p:nvPr/>
-        </p:nvSpPr>
-        <p:spPr>
-          <a:xfrm>
-            <a:off x="6466658" y="3789189"/>
-            <a:ext cx="2467054" cy="153986"/>
-          </a:xfrm>
-          <a:custGeom>
-            <a:avLst/>
-            <a:gdLst/>
-            <a:ahLst/>
-            <a:cxnLst>
-              <a:cxn ang="0">
-                <a:pos x="wd2" y="hd2"/>
-              </a:cxn>
-              <a:cxn ang="5400000">
-                <a:pos x="wd2" y="hd2"/>
-              </a:cxn>
-              <a:cxn ang="10800000">
-                <a:pos x="wd2" y="hd2"/>
-              </a:cxn>
-              <a:cxn ang="16200000">
-                <a:pos x="wd2" y="hd2"/>
-              </a:cxn>
-            </a:cxnLst>
-            <a:rect l="0" t="0" r="r" b="b"/>
-            <a:pathLst>
-              <a:path w="21600" h="21600" fill="norm" stroke="1" extrusionOk="0">
-                <a:moveTo>
-                  <a:pt x="0" y="21600"/>
-                </a:moveTo>
-                <a:cubicBezTo>
-                  <a:pt x="7200" y="14400"/>
-                  <a:pt x="14400" y="7200"/>
-                  <a:pt x="21600" y="0"/>
-                </a:cubicBezTo>
-              </a:path>
-            </a:pathLst>
-          </a:custGeom>
-          <a:ln w="12700">
-            <a:solidFill>
-              <a:srgbClr val="000000"/>
-            </a:solidFill>
-            <a:custDash>
-              <a:ds d="200000" sp="200000"/>
-            </a:custDash>
-            <a:miter lim="400000"/>
-            <a:tailEnd type="triangle"/>
-          </a:ln>
-        </p:spPr>
-        <p:txBody>
-          <a:bodyPr/>
-          <a:lstStyle/>
-          <a:p>
-            <a:pPr/>
-          </a:p>
-        </p:txBody>
-      </p:sp>
-      <p:sp>
-        <p:nvSpPr>
-          <p:cNvPr id="166" name="Connection Line"/>
-          <p:cNvSpPr/>
-          <p:nvPr/>
-        </p:nvSpPr>
-        <p:spPr>
-          <a:xfrm>
-            <a:off x="6617234" y="3841599"/>
-            <a:ext cx="2316478" cy="584405"/>
-          </a:xfrm>
-          <a:custGeom>
-            <a:avLst/>
-            <a:gdLst/>
-            <a:ahLst/>
-            <a:cxnLst>
-              <a:cxn ang="0">
-                <a:pos x="wd2" y="hd2"/>
-              </a:cxn>
-              <a:cxn ang="5400000">
-                <a:pos x="wd2" y="hd2"/>
-              </a:cxn>
-              <a:cxn ang="10800000">
-                <a:pos x="wd2" y="hd2"/>
-              </a:cxn>
-              <a:cxn ang="16200000">
-                <a:pos x="wd2" y="hd2"/>
-              </a:cxn>
-            </a:cxnLst>
-            <a:rect l="0" t="0" r="r" b="b"/>
-            <a:pathLst>
-              <a:path w="21600" h="21600" fill="norm" stroke="1" extrusionOk="0">
-                <a:moveTo>
-                  <a:pt x="0" y="21600"/>
-                </a:moveTo>
-                <a:cubicBezTo>
-                  <a:pt x="7200" y="14400"/>
-                  <a:pt x="14400" y="7200"/>
-                  <a:pt x="21600" y="0"/>
-                </a:cubicBezTo>
-              </a:path>
-            </a:pathLst>
-          </a:custGeom>
-          <a:ln w="12700">
-            <a:solidFill>
-              <a:srgbClr val="000000"/>
-            </a:solidFill>
-            <a:custDash>
-              <a:ds d="200000" sp="200000"/>
-            </a:custDash>
-            <a:miter lim="400000"/>
-            <a:tailEnd type="triangle"/>
-          </a:ln>
-        </p:spPr>
-        <p:txBody>
-          <a:bodyPr/>
-          <a:lstStyle/>
-          <a:p>
-            <a:pPr/>
-          </a:p>
-        </p:txBody>
-      </p:sp>
-      <p:sp>
-        <p:nvSpPr>
-          <p:cNvPr id="160" name="OpenMP/CUDA for BLAS"/>
-          <p:cNvSpPr/>
-          <p:nvPr/>
-        </p:nvSpPr>
-        <p:spPr>
-          <a:xfrm>
-            <a:off x="4894944" y="2898956"/>
-            <a:ext cx="2515712" cy="358139"/>
-          </a:xfrm>
-          <a:prstGeom prst="rect">
-            <a:avLst/>
-          </a:prstGeom>
-          <a:ln w="12700">
-            <a:miter lim="400000"/>
-          </a:ln>
-          <a:extLst>
-            <a:ext uri="{C572A759-6A51-4108-AA02-DFA0A04FC94B}">
-              <ma14:wrappingTextBoxFlag xmlns:ma14="http://schemas.microsoft.com/office/mac/drawingml/2011/main" val="1"/>
-            </a:ext>
-          </a:extLst>
-        </p:spPr>
-        <p:txBody>
-          <a:bodyPr wrap="none" lIns="45718" tIns="45718" rIns="45718" bIns="45718">
-            <a:spAutoFit/>
-          </a:bodyPr>
-          <a:lstStyle>
-            <a:lvl1pPr>
-              <a:defRPr>
-                <a:latin typeface="+mn-lt"/>
-                <a:ea typeface="+mn-ea"/>
-                <a:cs typeface="+mn-cs"/>
-                <a:sym typeface="Calibri"/>
-              </a:defRPr>
-            </a:lvl1pPr>
-          </a:lstStyle>
-          <a:p>
-            <a:pPr/>
-            <a:r>
-              <a:t>OpenMP/CUDA for BLAS</a:t>
-            </a:r>
           </a:p>
         </p:txBody>
       </p:sp>

--- a/other/flow chart_2.pptx
+++ b/other/flow chart_2.pptx
@@ -2972,7 +2972,7 @@
         </p:nvGrpSpPr>
         <p:grpSpPr>
           <a:xfrm>
-            <a:off x="2016101" y="3587292"/>
+            <a:off x="2190668" y="2041291"/>
             <a:ext cx="457948" cy="369336"/>
             <a:chOff x="0" y="-1"/>
             <a:chExt cx="457946" cy="369335"/>
@@ -3079,7 +3079,7 @@
         </p:nvSpPr>
         <p:spPr>
           <a:xfrm rot="5400000">
-            <a:off x="7937149" y="4104749"/>
+            <a:off x="8111716" y="2558747"/>
             <a:ext cx="1454157" cy="1118018"/>
           </a:xfrm>
           <a:custGeom>
@@ -3146,7 +3146,7 @@
         </p:nvGrpSpPr>
         <p:grpSpPr>
           <a:xfrm>
-            <a:off x="8933710" y="3587292"/>
+            <a:off x="9108277" y="2041291"/>
             <a:ext cx="552078" cy="369336"/>
             <a:chOff x="0" y="-1"/>
             <a:chExt cx="552077" cy="369335"/>
@@ -3253,7 +3253,7 @@
         </p:nvSpPr>
         <p:spPr>
           <a:xfrm>
-            <a:off x="2272028" y="3958590"/>
+            <a:off x="2446595" y="2412589"/>
             <a:ext cx="1856742" cy="1431291"/>
           </a:xfrm>
           <a:custGeom>
@@ -3320,8 +3320,8 @@
         </p:nvGrpSpPr>
         <p:grpSpPr>
           <a:xfrm>
-            <a:off x="5072788" y="5063482"/>
-            <a:ext cx="1978367" cy="779136"/>
+            <a:off x="5247354" y="3517480"/>
+            <a:ext cx="1978367" cy="779137"/>
             <a:chOff x="0" y="-132803"/>
             <a:chExt cx="1978365" cy="779135"/>
           </a:xfrm>
@@ -3427,7 +3427,7 @@
         </p:nvSpPr>
         <p:spPr>
           <a:xfrm>
-            <a:off x="1684712" y="3146820"/>
+            <a:off x="1859279" y="1600819"/>
             <a:ext cx="8473442" cy="1061567"/>
           </a:xfrm>
           <a:prstGeom prst="rect">
@@ -3468,7 +3468,7 @@
         </p:nvSpPr>
         <p:spPr>
           <a:xfrm>
-            <a:off x="1702297" y="3205479"/>
+            <a:off x="1876864" y="1659478"/>
             <a:ext cx="1085556" cy="447039"/>
           </a:xfrm>
           <a:prstGeom prst="rect">
@@ -3516,7 +3516,7 @@
         </p:nvGrpSpPr>
         <p:grpSpPr>
           <a:xfrm>
-            <a:off x="2471650" y="6170336"/>
+            <a:off x="2646216" y="4624335"/>
             <a:ext cx="1014156" cy="647134"/>
             <a:chOff x="0" y="0"/>
             <a:chExt cx="1014155" cy="647133"/>
@@ -3622,7 +3622,7 @@
         </p:nvGrpSpPr>
         <p:grpSpPr>
           <a:xfrm>
-            <a:off x="4153509" y="6170336"/>
+            <a:off x="4328075" y="4624335"/>
             <a:ext cx="1014156" cy="647132"/>
             <a:chOff x="0" y="0"/>
             <a:chExt cx="1014155" cy="647130"/>
@@ -3728,7 +3728,7 @@
         </p:nvGrpSpPr>
         <p:grpSpPr>
           <a:xfrm>
-            <a:off x="7059606" y="6170335"/>
+            <a:off x="7234172" y="4624334"/>
             <a:ext cx="1014156" cy="647132"/>
             <a:chOff x="0" y="0"/>
             <a:chExt cx="1014155" cy="647130"/>
@@ -3834,7 +3834,7 @@
         </p:nvGrpSpPr>
         <p:grpSpPr>
           <a:xfrm>
-            <a:off x="8702670" y="6170336"/>
+            <a:off x="8877237" y="4624335"/>
             <a:ext cx="1014156" cy="647131"/>
             <a:chOff x="0" y="0"/>
             <a:chExt cx="1014155" cy="647129"/>
@@ -3940,7 +3940,7 @@
         </p:nvSpPr>
         <p:spPr>
           <a:xfrm>
-            <a:off x="5821676" y="6245628"/>
+            <a:off x="5996242" y="4699626"/>
             <a:ext cx="662249" cy="447039"/>
           </a:xfrm>
           <a:prstGeom prst="rect">
@@ -3985,7 +3985,7 @@
         </p:nvSpPr>
         <p:spPr>
           <a:xfrm rot="3738393">
-            <a:off x="3435753" y="5145089"/>
+            <a:off x="3610319" y="3599088"/>
             <a:ext cx="190676" cy="1262183"/>
           </a:xfrm>
           <a:custGeom>
@@ -4079,8 +4079,8 @@
         </p:nvSpPr>
         <p:spPr>
           <a:xfrm rot="6867900">
-            <a:off x="8572065" y="5188351"/>
-            <a:ext cx="190676" cy="1262182"/>
+            <a:off x="8746631" y="3642349"/>
+            <a:ext cx="190676" cy="1262183"/>
           </a:xfrm>
           <a:custGeom>
             <a:avLst/>
@@ -4173,7 +4173,7 @@
         </p:nvSpPr>
         <p:spPr>
           <a:xfrm rot="2452795">
-            <a:off x="4657276" y="5584554"/>
+            <a:off x="4831843" y="4038552"/>
             <a:ext cx="201461" cy="636049"/>
           </a:xfrm>
           <a:custGeom>
@@ -4267,7 +4267,7 @@
         </p:nvSpPr>
         <p:spPr>
           <a:xfrm rot="7920874">
-            <a:off x="7271318" y="5562336"/>
+            <a:off x="7445885" y="4016334"/>
             <a:ext cx="201461" cy="636049"/>
           </a:xfrm>
           <a:custGeom>
@@ -4361,7 +4361,7 @@
         </p:nvGrpSpPr>
         <p:grpSpPr>
           <a:xfrm>
-            <a:off x="5470538" y="5636517"/>
+            <a:off x="5645105" y="4090516"/>
             <a:ext cx="1182867" cy="354703"/>
             <a:chOff x="0" y="0"/>
             <a:chExt cx="1182866" cy="354702"/>
@@ -4654,13 +4654,13 @@
       </p:grpSp>
       <p:sp>
         <p:nvSpPr>
-          <p:cNvPr id="146" name="Backpropagation…"/>
+          <p:cNvPr id="146" name="Back-propagation…"/>
           <p:cNvSpPr/>
           <p:nvPr/>
         </p:nvSpPr>
         <p:spPr>
           <a:xfrm>
-            <a:off x="4894944" y="3365184"/>
+            <a:off x="5069511" y="1819183"/>
             <a:ext cx="2515712" cy="624839"/>
           </a:xfrm>
           <a:prstGeom prst="rect">
@@ -4690,7 +4690,7 @@
               </a:defRPr>
             </a:pPr>
             <a:r>
-              <a:t>Backpropagation</a:t>
+              <a:t>Back-propagation</a:t>
             </a:r>
           </a:p>
           <a:p>
@@ -4716,8 +4716,8 @@
         </p:nvSpPr>
         <p:spPr>
           <a:xfrm>
-            <a:off x="4205070" y="4759935"/>
-            <a:ext cx="3895461" cy="358139"/>
+            <a:off x="5747863" y="3249931"/>
+            <a:ext cx="977350" cy="358139"/>
           </a:xfrm>
           <a:prstGeom prst="rect">
             <a:avLst/>
@@ -4735,14 +4735,28 @@
           <a:bodyPr wrap="none" lIns="45718" tIns="45718" rIns="45718" bIns="45718">
             <a:spAutoFit/>
           </a:bodyPr>
-          <a:lstStyle/>
-          <a:p>
-            <a:pPr>
+          <a:lstStyle>
+            <a:lvl1pPr>
               <a:defRPr>
+                <a:solidFill>
+                  <a:schemeClr val="accent5">
+                    <a:satOff val="-19091"/>
+                    <a:lumOff val="-11921"/>
+                  </a:schemeClr>
+                </a:solidFill>
                 <a:latin typeface="+mn-lt"/>
                 <a:ea typeface="+mn-ea"/>
                 <a:cs typeface="+mn-cs"/>
                 <a:sym typeface="Calibri"/>
+              </a:defRPr>
+            </a:lvl1pPr>
+          </a:lstStyle>
+          <a:p>
+            <a:pPr>
+              <a:defRPr>
+                <a:solidFill>
+                  <a:srgbClr val="000000"/>
+                </a:solidFill>
               </a:defRPr>
             </a:pPr>
             <a:r>
@@ -4754,49 +4768,7 @@
                   </a:schemeClr>
                 </a:solidFill>
               </a:rPr>
-              <a:t>SGD</a:t>
-            </a:r>
-            <a:r>
-              <a:t>, </a:t>
-            </a:r>
-            <a:r>
-              <a:rPr>
-                <a:solidFill>
-                  <a:schemeClr val="accent5">
-                    <a:satOff val="-19091"/>
-                    <a:lumOff val="-11921"/>
-                  </a:schemeClr>
-                </a:solidFill>
-              </a:rPr>
-              <a:t>Adam</a:t>
-            </a:r>
-            <a:r>
-              <a:t>, </a:t>
-            </a:r>
-            <a:r>
-              <a:rPr>
-                <a:solidFill>
-                  <a:schemeClr val="accent5">
-                    <a:satOff val="-19091"/>
-                    <a:lumOff val="-11921"/>
-                  </a:schemeClr>
-                </a:solidFill>
-              </a:rPr>
               <a:t>AdaGrad</a:t>
-            </a:r>
-            <a:r>
-              <a:t> or </a:t>
-            </a:r>
-            <a:r>
-              <a:rPr>
-                <a:solidFill>
-                  <a:schemeClr val="accent5">
-                    <a:satOff val="-19091"/>
-                    <a:lumOff val="-11921"/>
-                  </a:schemeClr>
-                </a:solidFill>
-              </a:rPr>
-              <a:t>Hessian-Free</a:t>
             </a:r>
           </a:p>
         </p:txBody>
@@ -4809,8 +4781,8 @@
         </p:nvGrpSpPr>
         <p:grpSpPr>
           <a:xfrm>
-            <a:off x="5163617" y="4385654"/>
-            <a:ext cx="1978366" cy="370839"/>
+            <a:off x="5338183" y="2839653"/>
+            <a:ext cx="1978367" cy="370839"/>
             <a:chOff x="0" y="0"/>
             <a:chExt cx="1978365" cy="370838"/>
           </a:xfrm>
@@ -4894,8 +4866,8 @@
         </p:nvSpPr>
         <p:spPr>
           <a:xfrm>
-            <a:off x="4147746" y="4304004"/>
-            <a:ext cx="3938497" cy="1270001"/>
+            <a:off x="4322312" y="2758003"/>
+            <a:ext cx="3938498" cy="1270001"/>
           </a:xfrm>
           <a:prstGeom prst="rect">
             <a:avLst/>

--- a/other/flow chart_2.pptx
+++ b/other/flow chart_2.pptx
@@ -3253,8 +3253,8 @@
         </p:nvSpPr>
         <p:spPr>
           <a:xfrm>
-            <a:off x="2446595" y="2412589"/>
-            <a:ext cx="1856742" cy="1431291"/>
+            <a:off x="2446595" y="2412588"/>
+            <a:ext cx="1856742" cy="1431292"/>
           </a:xfrm>
           <a:custGeom>
             <a:avLst/>
@@ -3940,7 +3940,7 @@
         </p:nvSpPr>
         <p:spPr>
           <a:xfrm>
-            <a:off x="5996242" y="4699626"/>
+            <a:off x="5996242" y="4699627"/>
             <a:ext cx="662249" cy="447039"/>
           </a:xfrm>
           <a:prstGeom prst="rect">
@@ -4079,8 +4079,8 @@
         </p:nvSpPr>
         <p:spPr>
           <a:xfrm rot="6867900">
-            <a:off x="8746631" y="3642349"/>
-            <a:ext cx="190676" cy="1262183"/>
+            <a:off x="8746631" y="3642350"/>
+            <a:ext cx="190676" cy="1262182"/>
           </a:xfrm>
           <a:custGeom>
             <a:avLst/>
@@ -4173,7 +4173,7 @@
         </p:nvSpPr>
         <p:spPr>
           <a:xfrm rot="2452795">
-            <a:off x="4831843" y="4038552"/>
+            <a:off x="4831843" y="4038553"/>
             <a:ext cx="201461" cy="636049"/>
           </a:xfrm>
           <a:custGeom>
@@ -4267,7 +4267,7 @@
         </p:nvSpPr>
         <p:spPr>
           <a:xfrm rot="7920874">
-            <a:off x="7445885" y="4016334"/>
+            <a:off x="7445885" y="4016335"/>
             <a:ext cx="201461" cy="636049"/>
           </a:xfrm>
           <a:custGeom>
@@ -4716,8 +4716,8 @@
         </p:nvSpPr>
         <p:spPr>
           <a:xfrm>
-            <a:off x="5747863" y="3249931"/>
-            <a:ext cx="977350" cy="358139"/>
+            <a:off x="5468333" y="3249931"/>
+            <a:ext cx="1718068" cy="358139"/>
           </a:xfrm>
           <a:prstGeom prst="rect">
             <a:avLst/>
@@ -4735,28 +4735,14 @@
           <a:bodyPr wrap="none" lIns="45718" tIns="45718" rIns="45718" bIns="45718">
             <a:spAutoFit/>
           </a:bodyPr>
-          <a:lstStyle>
-            <a:lvl1pPr>
+          <a:lstStyle/>
+          <a:p>
+            <a:pPr>
               <a:defRPr>
-                <a:solidFill>
-                  <a:schemeClr val="accent5">
-                    <a:satOff val="-19091"/>
-                    <a:lumOff val="-11921"/>
-                  </a:schemeClr>
-                </a:solidFill>
                 <a:latin typeface="+mn-lt"/>
                 <a:ea typeface="+mn-ea"/>
                 <a:cs typeface="+mn-cs"/>
                 <a:sym typeface="Calibri"/>
-              </a:defRPr>
-            </a:lvl1pPr>
-          </a:lstStyle>
-          <a:p>
-            <a:pPr>
-              <a:defRPr>
-                <a:solidFill>
-                  <a:srgbClr val="000000"/>
-                </a:solidFill>
               </a:defRPr>
             </a:pPr>
             <a:r>
@@ -4768,7 +4754,26 @@
                   </a:schemeClr>
                 </a:solidFill>
               </a:rPr>
-              <a:t>AdaGrad</a:t>
+              <a:t>AdaGrad </a:t>
+            </a:r>
+            <a:r>
+              <a:rPr>
+                <a:solidFill>
+                  <a:srgbClr val="FF2600"/>
+                </a:solidFill>
+              </a:rPr>
+              <a:t>or</a:t>
+            </a:r>
+            <a:r>
+              <a:rPr>
+                <a:solidFill>
+                  <a:schemeClr val="accent5">
+                    <a:satOff val="-19091"/>
+                    <a:lumOff val="-11921"/>
+                  </a:schemeClr>
+                </a:solidFill>
+              </a:rPr>
+              <a:t> PSO</a:t>
             </a:r>
           </a:p>
         </p:txBody>

--- a/other/flow chart_2.pptx
+++ b/other/flow chart_2.pptx
@@ -4716,8 +4716,8 @@
         </p:nvSpPr>
         <p:spPr>
           <a:xfrm>
-            <a:off x="5468333" y="3249931"/>
-            <a:ext cx="1718068" cy="358139"/>
+            <a:off x="5747863" y="3213934"/>
+            <a:ext cx="977350" cy="358139"/>
           </a:xfrm>
           <a:prstGeom prst="rect">
             <a:avLst/>
@@ -4735,14 +4735,28 @@
           <a:bodyPr wrap="none" lIns="45718" tIns="45718" rIns="45718" bIns="45718">
             <a:spAutoFit/>
           </a:bodyPr>
-          <a:lstStyle/>
-          <a:p>
-            <a:pPr>
+          <a:lstStyle>
+            <a:lvl1pPr>
               <a:defRPr>
+                <a:solidFill>
+                  <a:schemeClr val="accent5">
+                    <a:satOff val="-19091"/>
+                    <a:lumOff val="-11921"/>
+                  </a:schemeClr>
+                </a:solidFill>
                 <a:latin typeface="+mn-lt"/>
                 <a:ea typeface="+mn-ea"/>
                 <a:cs typeface="+mn-cs"/>
                 <a:sym typeface="Calibri"/>
+              </a:defRPr>
+            </a:lvl1pPr>
+          </a:lstStyle>
+          <a:p>
+            <a:pPr>
+              <a:defRPr>
+                <a:solidFill>
+                  <a:srgbClr val="000000"/>
+                </a:solidFill>
               </a:defRPr>
             </a:pPr>
             <a:r>
@@ -4754,26 +4768,7 @@
                   </a:schemeClr>
                 </a:solidFill>
               </a:rPr>
-              <a:t>AdaGrad </a:t>
-            </a:r>
-            <a:r>
-              <a:rPr>
-                <a:solidFill>
-                  <a:srgbClr val="FF2600"/>
-                </a:solidFill>
-              </a:rPr>
-              <a:t>or</a:t>
-            </a:r>
-            <a:r>
-              <a:rPr>
-                <a:solidFill>
-                  <a:schemeClr val="accent5">
-                    <a:satOff val="-19091"/>
-                    <a:lumOff val="-11921"/>
-                  </a:schemeClr>
-                </a:solidFill>
-              </a:rPr>
-              <a:t> PSO</a:t>
+              <a:t>AdaGrad</a:t>
             </a:r>
           </a:p>
         </p:txBody>
